--- a/Grade3Term2/Web计算/PPT_2023/习题课-web计算.pptx
+++ b/Grade3Term2/Web计算/PPT_2023/习题课-web计算.pptx
@@ -5,12 +5,12 @@
     <p:sldMasterId id="2147483648" r:id="rId1"/>
   </p:sldMasterIdLst>
   <p:sldIdLst>
-    <p:sldId id="256" r:id="rId3"/>
-    <p:sldId id="258" r:id="rId4"/>
-    <p:sldId id="262" r:id="rId5"/>
-    <p:sldId id="263" r:id="rId6"/>
-    <p:sldId id="264" r:id="rId7"/>
-    <p:sldId id="265" r:id="rId8"/>
+    <p:sldId id="256" r:id="rId2"/>
+    <p:sldId id="258" r:id="rId3"/>
+    <p:sldId id="262" r:id="rId4"/>
+    <p:sldId id="263" r:id="rId5"/>
+    <p:sldId id="264" r:id="rId6"/>
+    <p:sldId id="265" r:id="rId7"/>
   </p:sldIdLst>
   <p:sldSz cx="9144000" cy="6858000" type="screen4x3"/>
   <p:notesSz cx="6858000" cy="9144000"/>
@@ -109,7 +109,283 @@
       </a:defRPr>
     </a:lvl9pPr>
   </p:defaultTextStyle>
+  <p:extLst>
+    <p:ext uri="{EFAFB233-063F-42B5-8137-9DF3F51BA10A}">
+      <p15:sldGuideLst xmlns:p15="http://schemas.microsoft.com/office/powerpoint/2012/main">
+        <p15:guide id="1" orient="horz" pos="2160">
+          <p15:clr>
+            <a:srgbClr val="A4A3A4"/>
+          </p15:clr>
+        </p15:guide>
+        <p15:guide id="2" pos="2880">
+          <p15:clr>
+            <a:srgbClr val="A4A3A4"/>
+          </p15:clr>
+        </p15:guide>
+      </p15:sldGuideLst>
+    </p:ext>
+  </p:extLst>
 </p:presentation>
+</file>
+
+<file path=ppt/revisionInfo.xml><?xml version="1.0" encoding="utf-8"?>
+<p1510:revInfo xmlns:a="http://schemas.openxmlformats.org/drawingml/2006/main" xmlns:r="http://schemas.openxmlformats.org/officeDocument/2006/relationships" xmlns:p1510="http://schemas.microsoft.com/office/powerpoint/2015/10/main">
+  <p1510:revLst>
+    <p1510:client id="{41BEFFC7-F8AB-4540-9A4F-4C791638AFD5}" v="3" dt="2023-04-10T08:20:50.755"/>
+  </p1510:revLst>
+</p1510:revInfo>
+</file>
+
+<file path=ppt/changesInfos/changesInfo1.xml><?xml version="1.0" encoding="utf-8"?>
+<pc:chgInfo xmlns:a="http://schemas.openxmlformats.org/drawingml/2006/main" xmlns:r="http://schemas.openxmlformats.org/officeDocument/2006/relationships" xmlns:ac="http://schemas.microsoft.com/office/drawing/2013/main/command" xmlns:pc="http://schemas.microsoft.com/office/powerpoint/2013/main/command">
+  <pc:docChgLst>
+    <pc:chgData name="实 陈" userId="09163dbe7c132b83" providerId="LiveId" clId="{41BEFFC7-F8AB-4540-9A4F-4C791638AFD5}"/>
+    <pc:docChg chg="modSld">
+      <pc:chgData name="实 陈" userId="09163dbe7c132b83" providerId="LiveId" clId="{41BEFFC7-F8AB-4540-9A4F-4C791638AFD5}" dt="2023-04-10T08:21:16.305" v="10" actId="9405"/>
+      <pc:docMkLst>
+        <pc:docMk/>
+      </pc:docMkLst>
+      <pc:sldChg chg="addSp delSp mod">
+        <pc:chgData name="实 陈" userId="09163dbe7c132b83" providerId="LiveId" clId="{41BEFFC7-F8AB-4540-9A4F-4C791638AFD5}" dt="2023-04-10T08:20:55.837" v="8" actId="9405"/>
+        <pc:sldMkLst>
+          <pc:docMk/>
+          <pc:sldMk cId="0" sldId="258"/>
+        </pc:sldMkLst>
+        <pc:inkChg chg="add del">
+          <ac:chgData name="实 陈" userId="09163dbe7c132b83" providerId="LiveId" clId="{41BEFFC7-F8AB-4540-9A4F-4C791638AFD5}" dt="2023-04-10T08:20:50.755" v="7"/>
+          <ac:inkMkLst>
+            <pc:docMk/>
+            <pc:sldMk cId="0" sldId="258"/>
+            <ac:inkMk id="4" creationId="{EE0E6633-087C-B07E-6553-13F398ECA210}"/>
+          </ac:inkMkLst>
+        </pc:inkChg>
+        <pc:inkChg chg="add del">
+          <ac:chgData name="实 陈" userId="09163dbe7c132b83" providerId="LiveId" clId="{41BEFFC7-F8AB-4540-9A4F-4C791638AFD5}" dt="2023-04-10T08:18:32.547" v="1"/>
+          <ac:inkMkLst>
+            <pc:docMk/>
+            <pc:sldMk cId="0" sldId="258"/>
+            <ac:inkMk id="4" creationId="{FD9C25ED-70EB-A561-2D3B-8BE288916E12}"/>
+          </ac:inkMkLst>
+        </pc:inkChg>
+        <pc:inkChg chg="add">
+          <ac:chgData name="实 陈" userId="09163dbe7c132b83" providerId="LiveId" clId="{41BEFFC7-F8AB-4540-9A4F-4C791638AFD5}" dt="2023-04-10T08:18:42.279" v="2" actId="9405"/>
+          <ac:inkMkLst>
+            <pc:docMk/>
+            <pc:sldMk cId="0" sldId="258"/>
+            <ac:inkMk id="5" creationId="{CC1F9F46-2F50-C9A4-B57A-1D0C56F8AE45}"/>
+          </ac:inkMkLst>
+        </pc:inkChg>
+        <pc:inkChg chg="add del">
+          <ac:chgData name="实 陈" userId="09163dbe7c132b83" providerId="LiveId" clId="{41BEFFC7-F8AB-4540-9A4F-4C791638AFD5}" dt="2023-04-10T08:18:44.452" v="4"/>
+          <ac:inkMkLst>
+            <pc:docMk/>
+            <pc:sldMk cId="0" sldId="258"/>
+            <ac:inkMk id="7" creationId="{088DE018-AA17-7620-F1EC-38957A6DA8AE}"/>
+          </ac:inkMkLst>
+        </pc:inkChg>
+        <pc:inkChg chg="add">
+          <ac:chgData name="实 陈" userId="09163dbe7c132b83" providerId="LiveId" clId="{41BEFFC7-F8AB-4540-9A4F-4C791638AFD5}" dt="2023-04-10T08:20:55.837" v="8" actId="9405"/>
+          <ac:inkMkLst>
+            <pc:docMk/>
+            <pc:sldMk cId="0" sldId="258"/>
+            <ac:inkMk id="7" creationId="{42E7DE09-19F0-A2C9-6D1C-DDCAC13AA520}"/>
+          </ac:inkMkLst>
+        </pc:inkChg>
+        <pc:inkChg chg="add">
+          <ac:chgData name="实 陈" userId="09163dbe7c132b83" providerId="LiveId" clId="{41BEFFC7-F8AB-4540-9A4F-4C791638AFD5}" dt="2023-04-10T08:18:46.053" v="5" actId="9405"/>
+          <ac:inkMkLst>
+            <pc:docMk/>
+            <pc:sldMk cId="0" sldId="258"/>
+            <ac:inkMk id="8" creationId="{FA5157DC-B4DB-B81B-99DB-CE1547EA5C1B}"/>
+          </ac:inkMkLst>
+        </pc:inkChg>
+      </pc:sldChg>
+      <pc:sldChg chg="addSp mod">
+        <pc:chgData name="实 陈" userId="09163dbe7c132b83" providerId="LiveId" clId="{41BEFFC7-F8AB-4540-9A4F-4C791638AFD5}" dt="2023-04-10T08:21:16.305" v="10" actId="9405"/>
+        <pc:sldMkLst>
+          <pc:docMk/>
+          <pc:sldMk cId="0" sldId="263"/>
+        </pc:sldMkLst>
+        <pc:inkChg chg="add">
+          <ac:chgData name="实 陈" userId="09163dbe7c132b83" providerId="LiveId" clId="{41BEFFC7-F8AB-4540-9A4F-4C791638AFD5}" dt="2023-04-10T08:21:09.726" v="9" actId="9405"/>
+          <ac:inkMkLst>
+            <pc:docMk/>
+            <pc:sldMk cId="0" sldId="263"/>
+            <ac:inkMk id="4" creationId="{1C282BB5-6104-2252-9BEB-BDC0EE1E83C5}"/>
+          </ac:inkMkLst>
+        </pc:inkChg>
+        <pc:inkChg chg="add">
+          <ac:chgData name="实 陈" userId="09163dbe7c132b83" providerId="LiveId" clId="{41BEFFC7-F8AB-4540-9A4F-4C791638AFD5}" dt="2023-04-10T08:21:16.305" v="10" actId="9405"/>
+          <ac:inkMkLst>
+            <pc:docMk/>
+            <pc:sldMk cId="0" sldId="263"/>
+            <ac:inkMk id="5" creationId="{C2894017-23C6-AD9C-6F39-E4FA64CAA5D4}"/>
+          </ac:inkMkLst>
+        </pc:inkChg>
+      </pc:sldChg>
+    </pc:docChg>
+  </pc:docChgLst>
+</pc:chgInfo>
+</file>
+
+<file path=ppt/ink/ink1.xml><?xml version="1.0" encoding="utf-8"?>
+<inkml:ink xmlns:inkml="http://www.w3.org/2003/InkML">
+  <inkml:definitions>
+    <inkml:context xml:id="ctx0">
+      <inkml:inkSource xml:id="inkSrc0">
+        <inkml:traceFormat>
+          <inkml:channel name="X" type="integer" min="-2.14748E9" max="2.14748E9" units="cm"/>
+          <inkml:channel name="Y" type="integer" min="-2.14748E9" max="2.14748E9" units="cm"/>
+          <inkml:channel name="F" type="integer" max="32767" units="dev"/>
+          <inkml:channel name="OA" type="integer" max="360" units="deg"/>
+          <inkml:channel name="OE" type="integer" max="90" units="deg"/>
+        </inkml:traceFormat>
+        <inkml:channelProperties>
+          <inkml:channelProperty channel="X" name="resolution" value="1000" units="1/cm"/>
+          <inkml:channelProperty channel="Y" name="resolution" value="1000" units="1/cm"/>
+          <inkml:channelProperty channel="F" name="resolution" value="0" units="1/dev"/>
+          <inkml:channelProperty channel="OA" name="resolution" value="1000" units="1/deg"/>
+          <inkml:channelProperty channel="OE" name="resolution" value="1000" units="1/deg"/>
+        </inkml:channelProperties>
+      </inkml:inkSource>
+      <inkml:timestamp xml:id="ts0" timeString="2023-04-10T08:18:42.279"/>
+    </inkml:context>
+    <inkml:brush xml:id="br0">
+      <inkml:brushProperty name="width" value="0.05" units="cm"/>
+      <inkml:brushProperty name="height" value="0.05" units="cm"/>
+      <inkml:brushProperty name="color" value="#E71224"/>
+    </inkml:brush>
+  </inkml:definitions>
+  <inkml:trace contextRef="#ctx0" brushRef="#br0">429 1302 13672 0 0,'-7'10'112'0'0,"2"0"1"0"0,-1 0-1 0 0,1 1 1 0 0,1 0 0 0 0,0 0-1 0 0,0 0 1 0 0,1 1-1 0 0,1-1 1 0 0,0 1 0 0 0,0 0-1 0 0,1-1 1 0 0,1 18 0 0 0,0-27-94 0 0,1 1 1 0 0,0-1 0 0 0,0 1-1 0 0,-1-1 1 0 0,2 0 0 0 0,-1 1-1 0 0,0-1 1 0 0,0 0 0 0 0,1 0-1 0 0,-1 1 1 0 0,1-1 0 0 0,0 0-1 0 0,0-1 1 0 0,0 1 0 0 0,0 0-1 0 0,0 0 1 0 0,0-1 0 0 0,0 1-1 0 0,0-1 1 0 0,1 0 0 0 0,-1 0-1 0 0,3 1 1 0 0,7 3 111 0 0,1 0 1 0 0,25 6-1 0 0,-33-10-65 0 0,38 8 293 0 0,1-2 1 0 0,52 2 0 0 0,90-5 216 0 0,27 1 424 0 0,136 31-253 0 0,-308-31-622 0 0,118 7 292 0 0,179-10 0 0 0,48-42-31 0 0,-139 8-223 0 0,51-7-5 0 0,76-7 23 0 0,-303 43-142 0 0,-1-4 0 0 0,-1-2 1 0 0,76-21-1 0 0,354-152 236 0 0,-395 130-204 0 0,-9 2 31 0 0,-68 38-66 0 0,-1-1 0 0 0,-1-1 1 0 0,0-1-1 0 0,-1-1 0 0 0,39-34 0 0 0,-58 45-19 0 0,0-1-1 0 0,0 0 0 0 0,0 0 1 0 0,-1-1-1 0 0,0 0 0 0 0,0 1 1 0 0,0-1-1 0 0,-1 0 0 0 0,0-1 1 0 0,-1 1-1 0 0,4-14 1 0 0,-5 11 2 0 0,1-1 0 0 0,-2 0 0 0 0,1 0 1 0 0,-2 1-1 0 0,1-1 0 0 0,-2 0 0 0 0,-3-18 1 0 0,-1 9 11 0 0,-1 0 0 0 0,0 1 0 0 0,-1 0 0 0 0,-1 0 0 0 0,-1 1 0 0 0,-1 1 1 0 0,0-1-1 0 0,-21-21 0 0 0,2 8 29 0 0,-1 1 0 0 0,-2 2 0 0 0,-1 1 0 0 0,-65-38 0 0 0,6 14 77 0 0,-142-57 1 0 0,143 69-76 0 0,2 1 8 0 0,-2 5-1 0 0,-114-27 0 0 0,202 59-66 0 0,-345-73 253 0 0,250 58-156 0 0,-156-6 0 0 0,-225 31 119 0 0,-4 23-19 0 0,280-18-131 0 0,-169 28 124 0 0,201-16-73 0 0,-197 36 79 0 0,310-49-152 0 0,2 2 1 0 0,0 3 0 0 0,0 2-1 0 0,-80 41 1 0 0,116-49-22 0 0,0 2-1 0 0,0 0 1 0 0,1 1 0 0 0,1 1 0 0 0,-29 31 0 0 0,36-34-8 0 0,1 2 1 0 0,1-1 0 0 0,0 1 0 0 0,1 1-1 0 0,0 0 1 0 0,2 0 0 0 0,-1 1-1 0 0,-7 31 1 0 0,8-24 6 0 0,2 0 0 0 0,2 0 0 0 0,0 1 0 0 0,1-1-1 0 0,1 1 1 0 0,1 0 0 0 0,2-1 0 0 0,6 37 0 0 0,-4-41-9 0 0,2-1 0 0 0,0 1 0 0 0,0-1-1 0 0,2-1 1 0 0,1 1 0 0 0,0-2 0 0 0,1 1 0 0 0,1-1 0 0 0,0-1 0 0 0,27 29 0 0 0,9 4 60 0 0,109 86 1 0 0,-119-109-55 0 0,0-1 0 0 0,2-2 0 0 0,83 37 0 0 0,-42-28 2 0 0,121 46 33 0 0,-139-58-31 0 0,86 18 1 0 0,209 12 38 0 0,-239-43-48 0 0</inkml:trace>
+</inkml:ink>
+</file>
+
+<file path=ppt/ink/ink2.xml><?xml version="1.0" encoding="utf-8"?>
+<inkml:ink xmlns:inkml="http://www.w3.org/2003/InkML">
+  <inkml:definitions>
+    <inkml:context xml:id="ctx0">
+      <inkml:inkSource xml:id="inkSrc0">
+        <inkml:traceFormat>
+          <inkml:channel name="X" type="integer" min="-2.14748E9" max="2.14748E9" units="cm"/>
+          <inkml:channel name="Y" type="integer" min="-2.14748E9" max="2.14748E9" units="cm"/>
+          <inkml:channel name="F" type="integer" max="32767" units="dev"/>
+          <inkml:channel name="OA" type="integer" max="360" units="deg"/>
+          <inkml:channel name="OE" type="integer" max="90" units="deg"/>
+        </inkml:traceFormat>
+        <inkml:channelProperties>
+          <inkml:channelProperty channel="X" name="resolution" value="1000" units="1/cm"/>
+          <inkml:channelProperty channel="Y" name="resolution" value="1000" units="1/cm"/>
+          <inkml:channelProperty channel="F" name="resolution" value="0" units="1/dev"/>
+          <inkml:channelProperty channel="OA" name="resolution" value="1000" units="1/deg"/>
+          <inkml:channelProperty channel="OE" name="resolution" value="1000" units="1/deg"/>
+        </inkml:channelProperties>
+      </inkml:inkSource>
+      <inkml:timestamp xml:id="ts0" timeString="2023-04-10T08:18:46.053"/>
+    </inkml:context>
+    <inkml:brush xml:id="br0">
+      <inkml:brushProperty name="width" value="0.05" units="cm"/>
+      <inkml:brushProperty name="height" value="0.05" units="cm"/>
+      <inkml:brushProperty name="color" value="#E71224"/>
+    </inkml:brush>
+  </inkml:definitions>
+  <inkml:trace contextRef="#ctx0" brushRef="#br0">757 1543 11256 0 0,'0'0'96'0'0,"2"4"1"0"0,-1-1-64 0 0,0 0 1 0 0,1 0-1 0 0,0 0 1 0 0,-1 0-1 0 0,1 0 1 0 0,0 0-1 0 0,1-1 1 0 0,-1 1-1 0 0,0-1 1 0 0,1 1-1 0 0,0-1 0 0 0,-1 0 1 0 0,1 0-1 0 0,0-1 1 0 0,0 1-1 0 0,0 0 1 0 0,0-1-1 0 0,0 0 1 0 0,0 1-1 0 0,1-1 1 0 0,3 0-1 0 0,11 3 155 0 0,-1-2-1 0 0,1 0 1 0 0,0-1 0 0 0,0-1 0 0 0,19-2 0 0 0,36 2 73 0 0,-28 4 26 0 0,-21-1 12 0 0,41-1 0 0 0,91-4 259 0 0,-134 2-444 0 0,32-5 0 0 0,5 0 162 0 0,7 1 209 0 0,110-22 1 0 0,34-3-95 0 0,-40 12 4 0 0,-75 4-249 0 0,32-5 18 0 0,-70 7-104 0 0,172-37 126 0 0,-156 29-110 0 0,79-32 0 0 0,99-68 120 0 0,-83 48-89 0 0,-123 55-48 0 0,-1-2 0 0 0,72-41 0 0 0,-89 42-17 0 0,1 1-1 0 0,39-15 1 0 0,91-45 182 0 0,-114 58-131 0 0,156-74 265 0 0,-195 89-337 0 0,0-1 0 0 0,0 1 1 0 0,0-1-1 0 0,0 0 0 0 0,0 0 1 0 0,-1 0-1 0 0,0-1 0 0 0,0 1 0 0 0,0-1 1 0 0,0 0-1 0 0,-1 0 0 0 0,0-1 1 0 0,0 1-1 0 0,0-1 0 0 0,-1 1 1 0 0,3-10-1 0 0,-3 6 4 0 0,0-1 0 0 0,-1 1 1 0 0,0-1-1 0 0,0 1 0 0 0,-1-1 0 0 0,-1 1 1 0 0,0-1-1 0 0,0 1 0 0 0,-5-18 0 0 0,1 6 9 0 0,-2 0 1 0 0,0 1-1 0 0,-2 0 0 0 0,0 0 0 0 0,-1 0 0 0 0,-1 1 0 0 0,-1 1 0 0 0,-1 0 0 0 0,0 0 0 0 0,-1 2 0 0 0,-1 0 0 0 0,0 0 0 0 0,-1 1 0 0 0,-1 1 0 0 0,-1 1 0 0 0,0 0 1 0 0,0 1-1 0 0,-1 2 0 0 0,-26-12 0 0 0,-19-5 58 0 0,-178-70 144 0 0,180 76-167 0 0,0 3-1 0 0,-69-11 1 0 0,-452-48 278 0 0,183 59-93 0 0,368 17-235 0 0,-68 1 53 0 0,-127 17-1 0 0,-97 34 94 0 0,132-24-64 0 0,-55 11-3 0 0,101-3 33 0 0,-274 104-1 0 0,385-125-113 0 0,1 2-1 0 0,1 2 0 0 0,0 0 0 0 0,1 3 1 0 0,2 0-1 0 0,0 2 0 0 0,1 1 0 0 0,1 2 1 0 0,-29 34-1 0 0,33-30 14 0 0,1 1 0 0 0,1 1-1 0 0,-22 45 1 0 0,39-66-21 0 0,-1 1 0 0 0,2 0-1 0 0,0 0 1 0 0,0 0 0 0 0,1 1-1 0 0,0-1 1 0 0,1 1 0 0 0,1 0 0 0 0,0 0-1 0 0,0 0 1 0 0,2-1 0 0 0,-1 1 0 0 0,5 22-1 0 0,6 1 20 0 0,1-1 0 0 0,25 50 0 0 0,-34-80-25 0 0,7 14 5 0 0,0-1 0 0 0,2 0 0 0 0,0-1 0 0 0,1 0 0 0 0,0-1 0 0 0,1-1 0 0 0,1 0 0 0 0,1-1 0 0 0,0 0 0 0 0,1-2 0 0 0,0 0 0 0 0,35 18 0 0 0,2-4 10 0 0,1-2-1 0 0,1-2 1 0 0,70 16 0 0 0,165 23 34 0 0,0-27-6 0 0,-194-23-28 0 0,506 13 83 0 0,-553-23-92 0 0,371-7 61 0 0,-47 0-18 0 0,-288 6-30 0 0</inkml:trace>
+</inkml:ink>
+</file>
+
+<file path=ppt/ink/ink3.xml><?xml version="1.0" encoding="utf-8"?>
+<inkml:ink xmlns:inkml="http://www.w3.org/2003/InkML">
+  <inkml:definitions>
+    <inkml:context xml:id="ctx0">
+      <inkml:inkSource xml:id="inkSrc0">
+        <inkml:traceFormat>
+          <inkml:channel name="X" type="integer" min="-2.14748E9" max="2.14748E9" units="cm"/>
+          <inkml:channel name="Y" type="integer" min="-2.14748E9" max="2.14748E9" units="cm"/>
+          <inkml:channel name="F" type="integer" max="32767" units="dev"/>
+          <inkml:channel name="OA" type="integer" max="360" units="deg"/>
+          <inkml:channel name="OE" type="integer" max="90" units="deg"/>
+        </inkml:traceFormat>
+        <inkml:channelProperties>
+          <inkml:channelProperty channel="X" name="resolution" value="1000" units="1/cm"/>
+          <inkml:channelProperty channel="Y" name="resolution" value="1000" units="1/cm"/>
+          <inkml:channelProperty channel="F" name="resolution" value="0" units="1/dev"/>
+          <inkml:channelProperty channel="OA" name="resolution" value="1000" units="1/deg"/>
+          <inkml:channelProperty channel="OE" name="resolution" value="1000" units="1/deg"/>
+        </inkml:channelProperties>
+      </inkml:inkSource>
+      <inkml:timestamp xml:id="ts0" timeString="2023-04-10T08:20:55.837"/>
+    </inkml:context>
+    <inkml:brush xml:id="br0">
+      <inkml:brushProperty name="width" value="0.05" units="cm"/>
+      <inkml:brushProperty name="height" value="0.05" units="cm"/>
+      <inkml:brushProperty name="color" value="#E71224"/>
+    </inkml:brush>
+  </inkml:definitions>
+  <inkml:trace contextRef="#ctx0" brushRef="#br0">523 1980 12360 0 0,'6'1'145'0'0,"5"0"-62"0"0,1 1 1 0 0,-1-2-1 0 0,1 1 1 0 0,0-2-1 0 0,12-1 1 0 0,65-14 284 0 0,-56 9 38 0 0,43-3-1 0 0,142 1 1026 0 0,375 33 0 0 0,28 10-256 0 0,-390-39-837 0 0,64 3-65 0 0,-204 8-203 0 0,338 26 164 0 0,-2 27 15 0 0,18 3 14 0 0,-328-49-166 0 0,-7-2 16 0 0,125-6-1 0 0,12 2 93 0 0,28-1-7 0 0,99 4 106 0 0,-104 1-95 0 0,511-45 345 0 0,-564 22-428 0 0,-28 3-6 0 0,0-1 36 0 0,215 15 0 0 0,49-22 63 0 0,-441 16-214 0 0,316-53 138 0 0,-265 41-123 0 0,287-68 115 0 0,-182 25-48 0 0,-113 36-58 0 0,304-111 109 0 0,-303 107-99 0 0,-1-2 1 0 0,62-41-1 0 0,19-9 45 0 0,-107 62-62 0 0,-1-1 0 0 0,0-1 0 0 0,-1-1 1 0 0,-1-1-1 0 0,40-38 0 0 0,-52 42-10 0 0,-1 0 0 0 0,0-2 0 0 0,-1 0 0 0 0,-1 0 0 0 0,16-32 0 0 0,16-33 15 0 0,-22 44-7 0 0,-2 0 1 0 0,17-49-1 0 0,-16 30-1 0 0,-8 26 15 0 0,11-48 0 0 0,-21 66-24 0 0,0 0 0 0 0,-1 0 0 0 0,0 0 0 0 0,0-1 0 0 0,-2 1 1 0 0,1 0-1 0 0,-5-21 0 0 0,1 12 1 0 0,-2 0 0 0 0,0 0 0 0 0,-1 1-1 0 0,-1-1 1 0 0,-1 2 0 0 0,0-1 0 0 0,-2 1 0 0 0,0 1 0 0 0,-1 0 0 0 0,-1 0-1 0 0,-1 1 1 0 0,-1 1 0 0 0,-27-24 0 0 0,12 13 7 0 0,-2 2-1 0 0,-1 1 1 0 0,-1 1-1 0 0,-71-34 1 0 0,40 29 8 0 0,-30-15 15 0 0,-136-39 0 0 0,-161-6 63 0 0,282 66-68 0 0,-522-63 127 0 0,190 74-49 0 0,307 12-84 0 0,-102 3 24 0 0,-153-2 33 0 0,-237-9 43 0 0,410 8-76 0 0,-607 5 99 0 0,565-8-108 0 0,-64 0-2 0 0,-168 2 29 0 0,204 2-39 0 0,82 1-2 0 0,-232 12 21 0 0,258-6-33 0 0,-139 19 6 0 0,156-12-3 0 0,-179 29 6 0 0,234-29-15 0 0,-424 97 36 0 0,404-74-29 0 0,-151 68-1 0 0,91-32 6 0 0,-283 143 23 0 0,182-55-8 0 0,250-139-35 0 0,1 1 0 0 0,2 2 0 0 0,0 1-1 0 0,2 2 1 0 0,1 2 0 0 0,-40 50 0 0 0,57-64-1 0 0,1 1 0 0 0,1 1 0 0 0,1 0 0 0 0,0 1 0 0 0,2 0 0 0 0,-10 27 0 0 0,15-33-2 0 0,1 0 0 0 0,0 0 1 0 0,1 1-1 0 0,0-1 0 0 0,2 1 0 0 0,-1 0 1 0 0,2 0-1 0 0,0-1 0 0 0,1 1 1 0 0,4 18-1 0 0,-2-21 0 0 0,1 0-1 0 0,1-1 1 0 0,0 0-1 0 0,0 0 1 0 0,1 0 0 0 0,9 12-1 0 0,49 64 12 0 0,-64-87-13 0 0,20 23 3 0 0,2-1 1 0 0,0-1-1 0 0,30 24 0 0 0,81 50 8 0 0,-106-77-9 0 0,1-2 0 0 0,1-1 0 0 0,49 18 0 0 0,21 2-1 0 0</inkml:trace>
+</inkml:ink>
+</file>
+
+<file path=ppt/ink/ink4.xml><?xml version="1.0" encoding="utf-8"?>
+<inkml:ink xmlns:inkml="http://www.w3.org/2003/InkML">
+  <inkml:definitions>
+    <inkml:context xml:id="ctx0">
+      <inkml:inkSource xml:id="inkSrc0">
+        <inkml:traceFormat>
+          <inkml:channel name="X" type="integer" min="-2.14748E9" max="2.14748E9" units="cm"/>
+          <inkml:channel name="Y" type="integer" min="-2.14748E9" max="2.14748E9" units="cm"/>
+          <inkml:channel name="F" type="integer" max="32767" units="dev"/>
+          <inkml:channel name="OA" type="integer" max="360" units="deg"/>
+          <inkml:channel name="OE" type="integer" max="90" units="deg"/>
+        </inkml:traceFormat>
+        <inkml:channelProperties>
+          <inkml:channelProperty channel="X" name="resolution" value="1000" units="1/cm"/>
+          <inkml:channelProperty channel="Y" name="resolution" value="1000" units="1/cm"/>
+          <inkml:channelProperty channel="F" name="resolution" value="0" units="1/dev"/>
+          <inkml:channelProperty channel="OA" name="resolution" value="1000" units="1/deg"/>
+          <inkml:channelProperty channel="OE" name="resolution" value="1000" units="1/deg"/>
+        </inkml:channelProperties>
+      </inkml:inkSource>
+      <inkml:timestamp xml:id="ts0" timeString="2023-04-10T08:21:09.726"/>
+    </inkml:context>
+    <inkml:brush xml:id="br0">
+      <inkml:brushProperty name="width" value="0.05" units="cm"/>
+      <inkml:brushProperty name="height" value="0.05" units="cm"/>
+      <inkml:brushProperty name="color" value="#E71224"/>
+    </inkml:brush>
+  </inkml:definitions>
+  <inkml:trace contextRef="#ctx0" brushRef="#br0">733 2194 10040 0 0,'0'0'88'0'0,"4"-2"-72"0"0,8-4 86 0 0,1 2 0 0 0,-1-1 1 0 0,1 2-1 0 0,18-4 1 0 0,71-14 221 0 0,-62 11-14 0 0,80-9 1 0 0,72 2 336 0 0,-13-9 226 0 0,-65 12-193 0 0,24-3-311 0 0,-83 14-106 0 0,0 3 0 0 0,0 2-1 0 0,88 13 1 0 0,-106-9-169 0 0,1-2 0 0 0,0-2 0 0 0,38-3 1 0 0,114-16 92 0 0,-91 7-83 0 0,465-36 712 0 0,-379 38-593 0 0,-49 5 55 0 0,-31-8-53 0 0,13-1-65 0 0,101 15 199 0 0,-202-1-322 0 0,178 21 343 0 0,-74-9-158 0 0,32 7 46 0 0,-58-4 48 0 0,179 9 0 0 0,-193-26-153 0 0,91-14 0 0 0,40 0 119 0 0,-123 14-171 0 0,190-5 320 0 0,-73-2-208 0 0,-120 7-62 0 0,0-5-1 0 0,109-18 0 0 0,130-35 280 0 0,83-10 163 0 0,-320 55-392 0 0,96-3-1 0 0,-155 13-146 0 0,0-2 1 0 0,-1-2-1 0 0,0 0 0 0 0,0-2 0 0 0,-1 0 0 0 0,38-20 1 0 0,105-39 165 0 0,-149 60-193 0 0,0-1 0 0 0,-1-1 0 0 0,-1-1 0 0 0,0-1-1 0 0,0-1 1 0 0,-1 0 0 0 0,17-18 0 0 0,-25 23-26 0 0,23-21 108 0 0,51-61 0 0 0,-71 72-75 0 0,0 0 0 0 0,-1-1 0 0 0,-2 0 0 0 0,11-24-1 0 0,-17 34-31 0 0,7-19 53 0 0,-2-1 0 0 0,0 0 0 0 0,-2 0 0 0 0,5-48 0 0 0,-10 59-37 0 0,-1 0 0 0 0,-1 0 0 0 0,-1 1-1 0 0,-1-1 1 0 0,0 0 0 0 0,-1 0 0 0 0,-6-20 0 0 0,-6-10 66 0 0,-27-59 0 0 0,31 84-64 0 0,0 0-1 0 0,-2 1 1 0 0,-1 0 0 0 0,0 1-1 0 0,-2 0 1 0 0,0 1 0 0 0,-1 1-1 0 0,-1 1 1 0 0,-1 0 0 0 0,0 1-1 0 0,-35-22 1 0 0,3 8 29 0 0,-1 3 1 0 0,-65-26-1 0 0,-40-20 74 0 0,80 34-72 0 0,-2 3 1 0 0,-113-36 0 0 0,-59 0 190 0 0,-483-75 0 0 0,490 133-156 0 0,-5 20-20 0 0,176-3-52 0 0,-351 22 108 0 0,39-1-28 0 0,223-16-60 0 0,-232 4 76 0 0,150-6-64 0 0,49-1-8 0 0,-445 18 103 0 0,561-16-137 0 0,-7 1 20 0 0,-162 32 0 0 0,-175 76 38 0 0,335-89-58 0 0,-252 78 36 0 0,222-67-31 0 0,-168 63 23 0 0,179-52-31 0 0,2 5-1 0 0,3 4 0 0 0,-124 92 1 0 0,132-81-9 0 0,27-21 6 0 0,3 3 0 0 0,-91 88-1 0 0,122-103-5 0 0,2 1-1 0 0,1 1 1 0 0,2 2 0 0 0,-28 52-1 0 0,34-51 0 0 0,3 1 0 0 0,1 0 1 0 0,2 2-1 0 0,2 0 0 0 0,2 0 0 0 0,-10 67 0 0 0,20-83-1 0 0,1 1 0 0 0,1-1 0 0 0,1 1 0 0 0,2-1 0 0 0,1 0 0 0 0,1 0 0 0 0,1 0 0 0 0,2 0 0 0 0,0-1 0 0 0,2-1 0 0 0,14 28 0 0 0,-14-32 0 0 0,2 0 0 0 0,0 0 0 0 0,1-2 0 0 0,1 1 0 0 0,1-2 0 0 0,1 0 0 0 0,0 0 0 0 0,2-2 0 0 0,27 22 0 0 0,22 5 0 0 0,101 48 0 0 0,-91-51 0 0 0,225 100 0 0 0,-195-100 0 0 0</inkml:trace>
+</inkml:ink>
+</file>
+
+<file path=ppt/ink/ink5.xml><?xml version="1.0" encoding="utf-8"?>
+<inkml:ink xmlns:inkml="http://www.w3.org/2003/InkML">
+  <inkml:definitions>
+    <inkml:context xml:id="ctx0">
+      <inkml:inkSource xml:id="inkSrc0">
+        <inkml:traceFormat>
+          <inkml:channel name="X" type="integer" min="-2.14748E9" max="2.14748E9" units="cm"/>
+          <inkml:channel name="Y" type="integer" min="-2.14748E9" max="2.14748E9" units="cm"/>
+          <inkml:channel name="F" type="integer" max="32767" units="dev"/>
+          <inkml:channel name="OA" type="integer" max="360" units="deg"/>
+          <inkml:channel name="OE" type="integer" max="90" units="deg"/>
+        </inkml:traceFormat>
+        <inkml:channelProperties>
+          <inkml:channelProperty channel="X" name="resolution" value="1000" units="1/cm"/>
+          <inkml:channelProperty channel="Y" name="resolution" value="1000" units="1/cm"/>
+          <inkml:channelProperty channel="F" name="resolution" value="0" units="1/dev"/>
+          <inkml:channelProperty channel="OA" name="resolution" value="1000" units="1/deg"/>
+          <inkml:channelProperty channel="OE" name="resolution" value="1000" units="1/deg"/>
+        </inkml:channelProperties>
+      </inkml:inkSource>
+      <inkml:timestamp xml:id="ts0" timeString="2023-04-10T08:21:16.305"/>
+    </inkml:context>
+    <inkml:brush xml:id="br0">
+      <inkml:brushProperty name="width" value="0.05" units="cm"/>
+      <inkml:brushProperty name="height" value="0.05" units="cm"/>
+      <inkml:brushProperty name="color" value="#E71224"/>
+    </inkml:brush>
+  </inkml:definitions>
+  <inkml:trace contextRef="#ctx0" brushRef="#br0">267 2133 9144 0 0,'11'-11'190'0'0,"0"0"0"0"0,1 1 1 0 0,0 0-1 0 0,1 0 1 0 0,0 2-1 0 0,1-1 0 0 0,0 2 1 0 0,0 0-1 0 0,28-10 1 0 0,4 4 1540 0 0,92-14 1 0 0,-135 26-1693 0 0,95-13 1410 0 0,177-3-1 0 0,-221 18-864 0 0,94 11 0 0 0,91 29 337 0 0,125 20-56 0 0,-305-52-758 0 0,255 26 220 0 0,-103-33-107 0 0,304-35-1 0 0,-77-17-6 0 0,-283 31-141 0 0,148-14 47 0 0,273 7 265 0 0,-559 26-374 0 0,307 5 281 0 0,-2 25 11 0 0,-240-12-202 0 0,-49-10-27 0 0,39 5-1 0 0,104 14 86 0 0,-23-3-4 0 0,-70-12-63 0 0,-13-2 4 0 0,1-2 1 0 0,87-2-1 0 0,-108-8-45 0 0,232-4 179 0 0,-44 6-18 0 0,-97 2-78 0 0,-62-2-52 0 0,89 11 1 0 0,124 18 147 0 0,178-24 71 0 0,-1-44 27 0 0,-336 20-241 0 0,84-13 42 0 0,-90 11 8 0 0,179-7-1 0 0,-50 9 34 0 0,-30 2-43 0 0,44-6-2 0 0,-186 15-79 0 0,-42 2-19 0 0,-1-1-1 0 0,55-18 1 0 0,78-34 44 0 0,-98 31-26 0 0,68-29 27 0 0,-119 45-47 0 0,-1-1 1 0 0,1-1-1 0 0,31-26 1 0 0,40-25 30 0 0,-72 51-38 0 0,-1-1-1 0 0,-1-1 0 0 0,-1 0 0 0 0,32-33 0 0 0,-21 14-4 0 0,2-2 20 0 0,44-65 1 0 0,-69 88-25 0 0,0 0 1 0 0,-1-1 0 0 0,-1 0-1 0 0,0-1 1 0 0,-1 0 0 0 0,-1 0-1 0 0,0 0 1 0 0,3-29 0 0 0,-4 16 17 0 0,-1-40 0 0 0,-3 57-20 0 0,-1 0 0 0 0,-1-1 0 0 0,0 1 1 0 0,0 0-1 0 0,-1 0 0 0 0,-6-13 1 0 0,-5-4 7 0 0,-1 0 0 0 0,-2 1 0 0 0,0 1 0 0 0,-2 0 0 0 0,-33-35 0 0 0,24 29 3 0 0,11 12-9 0 0,-1 1 0 0 0,-1 1 0 0 0,-1 1 0 0 0,-30-22 0 0 0,-70-49 32 0 0,-34-24 17 0 0,129 97-47 0 0,0 2 0 0 0,-1 0 0 0 0,-1 2 0 0 0,-41-12 0 0 0,-114-22 27 0 0,156 40-31 0 0,-143-42 23 0 0,58 13-15 0 0,73 24-8 0 0,-263-62 36 0 0,139 42-23 0 0,-124-19 18 0 0,-31 24-13 0 0,169 16-13 0 0,-40 0 3 0 0,-159 17 16 0 0,-87 1-16 0 0,60-1-2 0 0,130-1-5 0 0,-96-1 0 0 0,-22-1-1 0 0,124 1 5 0 0,-404 15-11 0 0,351-8 0 0 0,-123 15 0 0 0,262-15 0 0 0,-306 30 0 0 0,159-13 0 0 0,63-8 0 0 0,-983 108 0 0 0,843-68-1 0 0,11 30-14 0 0,224-49 16 0 0,43-14-6 0 0,-146 62 1 0 0,-73 71-3 0 0,179-92 6 0 0,93-49 0 0 0,2 2-1 0 0,0 2 0 0 0,2 1 1 0 0,-45 36-1 0 0,65-42 1 0 0,1 1 1 0 0,1 1-1 0 0,1 0 0 0 0,1 2 1 0 0,1 0-1 0 0,1 0 0 0 0,1 2 1 0 0,1 0-1 0 0,1 0 0 0 0,1 1 1 0 0,-10 37-1 0 0,15-40-1 0 0,1-1 1 0 0,0 1-1 0 0,2 0 0 0 0,1 0 1 0 0,1 0-1 0 0,1 0 0 0 0,1 0 1 0 0,1 0-1 0 0,1 0 0 0 0,0 0 1 0 0,2 0-1 0 0,1-1 0 0 0,1 0 1 0 0,12 28-1 0 0,-1-14-2 0 0,2 0 0 0 0,1-1 1 0 0,1-1-1 0 0,2-1 0 0 0,2-1 1 0 0,0-1-1 0 0,54 47 0 0 0,-28-36-4 0 0,1-2-1 0 0,83 46 0 0 0,-50-37-6 0 0</inkml:trace>
+</inkml:ink>
 </file>
 
 <file path=ppt/slideLayouts/slideLayout1.xml><?xml version="1.0" encoding="utf-8"?>
@@ -150,10 +426,9 @@
           <a:lstStyle/>
           <a:p>
             <a:r>
-              <a:rPr lang="zh-CN" altLang="en-US" smtClean="0"/>
+              <a:rPr lang="zh-CN" altLang="en-US"/>
               <a:t>单击此处编辑母版标题样式</a:t>
             </a:r>
-            <a:endParaRPr lang="zh-CN" altLang="en-US"/>
           </a:p>
         </p:txBody>
       </p:sp>
@@ -269,10 +544,9 @@
           </a:lstStyle>
           <a:p>
             <a:r>
-              <a:rPr lang="zh-CN" altLang="en-US" smtClean="0"/>
+              <a:rPr lang="zh-CN" altLang="en-US"/>
               <a:t>单击此处编辑母版副标题样式</a:t>
             </a:r>
-            <a:endParaRPr lang="zh-CN" altLang="en-US"/>
           </a:p>
         </p:txBody>
       </p:sp>
@@ -293,6 +567,7 @@
           <a:p>
             <a:fld id="{530820CF-B880-4189-942D-D702A7CBA730}" type="datetimeFigureOut">
               <a:rPr lang="zh-CN" altLang="en-US" smtClean="0"/>
+              <a:t>2023/4/10</a:t>
             </a:fld>
             <a:endParaRPr lang="zh-CN" altLang="en-US"/>
           </a:p>
@@ -334,6 +609,7 @@
           <a:p>
             <a:fld id="{0C913308-F349-4B6D-A68A-DD1791B4A57B}" type="slidenum">
               <a:rPr lang="zh-CN" altLang="en-US" smtClean="0"/>
+              <a:t>‹#›</a:t>
             </a:fld>
             <a:endParaRPr lang="zh-CN" altLang="en-US"/>
           </a:p>
@@ -380,10 +656,9 @@
           <a:lstStyle/>
           <a:p>
             <a:r>
-              <a:rPr lang="zh-CN" altLang="en-US" smtClean="0"/>
+              <a:rPr lang="zh-CN" altLang="en-US"/>
               <a:t>单击此处编辑母版标题样式</a:t>
             </a:r>
-            <a:endParaRPr lang="zh-CN" altLang="en-US"/>
           </a:p>
         </p:txBody>
       </p:sp>
@@ -404,42 +679,37 @@
           <a:p>
             <a:pPr lvl="0"/>
             <a:r>
-              <a:rPr lang="zh-CN" altLang="en-US" smtClean="0"/>
+              <a:rPr lang="zh-CN" altLang="en-US"/>
               <a:t>单击此处编辑母版文本样式</a:t>
             </a:r>
-            <a:endParaRPr lang="zh-CN" altLang="en-US" smtClean="0"/>
           </a:p>
           <a:p>
             <a:pPr lvl="1"/>
             <a:r>
-              <a:rPr lang="zh-CN" altLang="en-US" smtClean="0"/>
+              <a:rPr lang="zh-CN" altLang="en-US"/>
               <a:t>第二级</a:t>
             </a:r>
-            <a:endParaRPr lang="zh-CN" altLang="en-US" smtClean="0"/>
           </a:p>
           <a:p>
             <a:pPr lvl="2"/>
             <a:r>
-              <a:rPr lang="zh-CN" altLang="en-US" smtClean="0"/>
+              <a:rPr lang="zh-CN" altLang="en-US"/>
               <a:t>第三级</a:t>
             </a:r>
-            <a:endParaRPr lang="zh-CN" altLang="en-US" smtClean="0"/>
           </a:p>
           <a:p>
             <a:pPr lvl="3"/>
             <a:r>
-              <a:rPr lang="zh-CN" altLang="en-US" smtClean="0"/>
+              <a:rPr lang="zh-CN" altLang="en-US"/>
               <a:t>第四级</a:t>
             </a:r>
-            <a:endParaRPr lang="zh-CN" altLang="en-US" smtClean="0"/>
           </a:p>
           <a:p>
             <a:pPr lvl="4"/>
             <a:r>
-              <a:rPr lang="zh-CN" altLang="en-US" smtClean="0"/>
+              <a:rPr lang="zh-CN" altLang="en-US"/>
               <a:t>第五级</a:t>
             </a:r>
-            <a:endParaRPr lang="zh-CN" altLang="en-US"/>
           </a:p>
         </p:txBody>
       </p:sp>
@@ -460,6 +730,7 @@
           <a:p>
             <a:fld id="{530820CF-B880-4189-942D-D702A7CBA730}" type="datetimeFigureOut">
               <a:rPr lang="zh-CN" altLang="en-US" smtClean="0"/>
+              <a:t>2023/4/10</a:t>
             </a:fld>
             <a:endParaRPr lang="zh-CN" altLang="en-US"/>
           </a:p>
@@ -501,6 +772,7 @@
           <a:p>
             <a:fld id="{0C913308-F349-4B6D-A68A-DD1791B4A57B}" type="slidenum">
               <a:rPr lang="zh-CN" altLang="en-US" smtClean="0"/>
+              <a:t>‹#›</a:t>
             </a:fld>
             <a:endParaRPr lang="zh-CN" altLang="en-US"/>
           </a:p>
@@ -552,10 +824,9 @@
           <a:lstStyle/>
           <a:p>
             <a:r>
-              <a:rPr lang="zh-CN" altLang="en-US" smtClean="0"/>
+              <a:rPr lang="zh-CN" altLang="en-US"/>
               <a:t>单击此处编辑母版标题样式</a:t>
             </a:r>
-            <a:endParaRPr lang="zh-CN" altLang="en-US"/>
           </a:p>
         </p:txBody>
       </p:sp>
@@ -581,42 +852,37 @@
           <a:p>
             <a:pPr lvl="0"/>
             <a:r>
-              <a:rPr lang="zh-CN" altLang="en-US" smtClean="0"/>
+              <a:rPr lang="zh-CN" altLang="en-US"/>
               <a:t>单击此处编辑母版文本样式</a:t>
             </a:r>
-            <a:endParaRPr lang="zh-CN" altLang="en-US" smtClean="0"/>
           </a:p>
           <a:p>
             <a:pPr lvl="1"/>
             <a:r>
-              <a:rPr lang="zh-CN" altLang="en-US" smtClean="0"/>
+              <a:rPr lang="zh-CN" altLang="en-US"/>
               <a:t>第二级</a:t>
             </a:r>
-            <a:endParaRPr lang="zh-CN" altLang="en-US" smtClean="0"/>
           </a:p>
           <a:p>
             <a:pPr lvl="2"/>
             <a:r>
-              <a:rPr lang="zh-CN" altLang="en-US" smtClean="0"/>
+              <a:rPr lang="zh-CN" altLang="en-US"/>
               <a:t>第三级</a:t>
             </a:r>
-            <a:endParaRPr lang="zh-CN" altLang="en-US" smtClean="0"/>
           </a:p>
           <a:p>
             <a:pPr lvl="3"/>
             <a:r>
-              <a:rPr lang="zh-CN" altLang="en-US" smtClean="0"/>
+              <a:rPr lang="zh-CN" altLang="en-US"/>
               <a:t>第四级</a:t>
             </a:r>
-            <a:endParaRPr lang="zh-CN" altLang="en-US" smtClean="0"/>
           </a:p>
           <a:p>
             <a:pPr lvl="4"/>
             <a:r>
-              <a:rPr lang="zh-CN" altLang="en-US" smtClean="0"/>
+              <a:rPr lang="zh-CN" altLang="en-US"/>
               <a:t>第五级</a:t>
             </a:r>
-            <a:endParaRPr lang="zh-CN" altLang="en-US"/>
           </a:p>
         </p:txBody>
       </p:sp>
@@ -637,6 +903,7 @@
           <a:p>
             <a:fld id="{530820CF-B880-4189-942D-D702A7CBA730}" type="datetimeFigureOut">
               <a:rPr lang="zh-CN" altLang="en-US" smtClean="0"/>
+              <a:t>2023/4/10</a:t>
             </a:fld>
             <a:endParaRPr lang="zh-CN" altLang="en-US"/>
           </a:p>
@@ -678,6 +945,7 @@
           <a:p>
             <a:fld id="{0C913308-F349-4B6D-A68A-DD1791B4A57B}" type="slidenum">
               <a:rPr lang="zh-CN" altLang="en-US" smtClean="0"/>
+              <a:t>‹#›</a:t>
             </a:fld>
             <a:endParaRPr lang="zh-CN" altLang="en-US"/>
           </a:p>
@@ -724,10 +992,9 @@
           <a:lstStyle/>
           <a:p>
             <a:r>
-              <a:rPr lang="zh-CN" altLang="en-US" smtClean="0"/>
+              <a:rPr lang="zh-CN" altLang="en-US"/>
               <a:t>单击此处编辑母版标题样式</a:t>
             </a:r>
-            <a:endParaRPr lang="zh-CN" altLang="en-US"/>
           </a:p>
         </p:txBody>
       </p:sp>
@@ -748,42 +1015,37 @@
           <a:p>
             <a:pPr lvl="0"/>
             <a:r>
-              <a:rPr lang="zh-CN" altLang="en-US" smtClean="0"/>
+              <a:rPr lang="zh-CN" altLang="en-US"/>
               <a:t>单击此处编辑母版文本样式</a:t>
             </a:r>
-            <a:endParaRPr lang="zh-CN" altLang="en-US" smtClean="0"/>
           </a:p>
           <a:p>
             <a:pPr lvl="1"/>
             <a:r>
-              <a:rPr lang="zh-CN" altLang="en-US" smtClean="0"/>
+              <a:rPr lang="zh-CN" altLang="en-US"/>
               <a:t>第二级</a:t>
             </a:r>
-            <a:endParaRPr lang="zh-CN" altLang="en-US" smtClean="0"/>
           </a:p>
           <a:p>
             <a:pPr lvl="2"/>
             <a:r>
-              <a:rPr lang="zh-CN" altLang="en-US" smtClean="0"/>
+              <a:rPr lang="zh-CN" altLang="en-US"/>
               <a:t>第三级</a:t>
             </a:r>
-            <a:endParaRPr lang="zh-CN" altLang="en-US" smtClean="0"/>
           </a:p>
           <a:p>
             <a:pPr lvl="3"/>
             <a:r>
-              <a:rPr lang="zh-CN" altLang="en-US" smtClean="0"/>
+              <a:rPr lang="zh-CN" altLang="en-US"/>
               <a:t>第四级</a:t>
             </a:r>
-            <a:endParaRPr lang="zh-CN" altLang="en-US" smtClean="0"/>
           </a:p>
           <a:p>
             <a:pPr lvl="4"/>
             <a:r>
-              <a:rPr lang="zh-CN" altLang="en-US" smtClean="0"/>
+              <a:rPr lang="zh-CN" altLang="en-US"/>
               <a:t>第五级</a:t>
             </a:r>
-            <a:endParaRPr lang="zh-CN" altLang="en-US"/>
           </a:p>
         </p:txBody>
       </p:sp>
@@ -804,6 +1066,7 @@
           <a:p>
             <a:fld id="{530820CF-B880-4189-942D-D702A7CBA730}" type="datetimeFigureOut">
               <a:rPr lang="zh-CN" altLang="en-US" smtClean="0"/>
+              <a:t>2023/4/10</a:t>
             </a:fld>
             <a:endParaRPr lang="zh-CN" altLang="en-US"/>
           </a:p>
@@ -845,6 +1108,7 @@
           <a:p>
             <a:fld id="{0C913308-F349-4B6D-A68A-DD1791B4A57B}" type="slidenum">
               <a:rPr lang="zh-CN" altLang="en-US" smtClean="0"/>
+              <a:t>‹#›</a:t>
             </a:fld>
             <a:endParaRPr lang="zh-CN" altLang="en-US"/>
           </a:p>
@@ -900,10 +1164,9 @@
           </a:lstStyle>
           <a:p>
             <a:r>
-              <a:rPr lang="zh-CN" altLang="en-US" smtClean="0"/>
+              <a:rPr lang="zh-CN" altLang="en-US"/>
               <a:t>单击此处编辑母版标题样式</a:t>
             </a:r>
-            <a:endParaRPr lang="zh-CN" altLang="en-US"/>
           </a:p>
         </p:txBody>
       </p:sp>
@@ -1020,10 +1283,9 @@
           <a:p>
             <a:pPr lvl="0"/>
             <a:r>
-              <a:rPr lang="zh-CN" altLang="en-US" smtClean="0"/>
+              <a:rPr lang="zh-CN" altLang="en-US"/>
               <a:t>单击此处编辑母版文本样式</a:t>
             </a:r>
-            <a:endParaRPr lang="zh-CN" altLang="en-US" smtClean="0"/>
           </a:p>
         </p:txBody>
       </p:sp>
@@ -1044,6 +1306,7 @@
           <a:p>
             <a:fld id="{530820CF-B880-4189-942D-D702A7CBA730}" type="datetimeFigureOut">
               <a:rPr lang="zh-CN" altLang="en-US" smtClean="0"/>
+              <a:t>2023/4/10</a:t>
             </a:fld>
             <a:endParaRPr lang="zh-CN" altLang="en-US"/>
           </a:p>
@@ -1085,6 +1348,7 @@
           <a:p>
             <a:fld id="{0C913308-F349-4B6D-A68A-DD1791B4A57B}" type="slidenum">
               <a:rPr lang="zh-CN" altLang="en-US" smtClean="0"/>
+              <a:t>‹#›</a:t>
             </a:fld>
             <a:endParaRPr lang="zh-CN" altLang="en-US"/>
           </a:p>
@@ -1131,10 +1395,9 @@
           <a:lstStyle/>
           <a:p>
             <a:r>
-              <a:rPr lang="zh-CN" altLang="en-US" smtClean="0"/>
+              <a:rPr lang="zh-CN" altLang="en-US"/>
               <a:t>单击此处编辑母版标题样式</a:t>
             </a:r>
-            <a:endParaRPr lang="zh-CN" altLang="en-US"/>
           </a:p>
         </p:txBody>
       </p:sp>
@@ -1188,42 +1451,37 @@
           <a:p>
             <a:pPr lvl="0"/>
             <a:r>
-              <a:rPr lang="zh-CN" altLang="en-US" smtClean="0"/>
+              <a:rPr lang="zh-CN" altLang="en-US"/>
               <a:t>单击此处编辑母版文本样式</a:t>
             </a:r>
-            <a:endParaRPr lang="zh-CN" altLang="en-US" smtClean="0"/>
           </a:p>
           <a:p>
             <a:pPr lvl="1"/>
             <a:r>
-              <a:rPr lang="zh-CN" altLang="en-US" smtClean="0"/>
+              <a:rPr lang="zh-CN" altLang="en-US"/>
               <a:t>第二级</a:t>
             </a:r>
-            <a:endParaRPr lang="zh-CN" altLang="en-US" smtClean="0"/>
           </a:p>
           <a:p>
             <a:pPr lvl="2"/>
             <a:r>
-              <a:rPr lang="zh-CN" altLang="en-US" smtClean="0"/>
+              <a:rPr lang="zh-CN" altLang="en-US"/>
               <a:t>第三级</a:t>
             </a:r>
-            <a:endParaRPr lang="zh-CN" altLang="en-US" smtClean="0"/>
           </a:p>
           <a:p>
             <a:pPr lvl="3"/>
             <a:r>
-              <a:rPr lang="zh-CN" altLang="en-US" smtClean="0"/>
+              <a:rPr lang="zh-CN" altLang="en-US"/>
               <a:t>第四级</a:t>
             </a:r>
-            <a:endParaRPr lang="zh-CN" altLang="en-US" smtClean="0"/>
           </a:p>
           <a:p>
             <a:pPr lvl="4"/>
             <a:r>
-              <a:rPr lang="zh-CN" altLang="en-US" smtClean="0"/>
+              <a:rPr lang="zh-CN" altLang="en-US"/>
               <a:t>第五级</a:t>
             </a:r>
-            <a:endParaRPr lang="zh-CN" altLang="en-US"/>
           </a:p>
         </p:txBody>
       </p:sp>
@@ -1277,42 +1535,37 @@
           <a:p>
             <a:pPr lvl="0"/>
             <a:r>
-              <a:rPr lang="zh-CN" altLang="en-US" smtClean="0"/>
+              <a:rPr lang="zh-CN" altLang="en-US"/>
               <a:t>单击此处编辑母版文本样式</a:t>
             </a:r>
-            <a:endParaRPr lang="zh-CN" altLang="en-US" smtClean="0"/>
           </a:p>
           <a:p>
             <a:pPr lvl="1"/>
             <a:r>
-              <a:rPr lang="zh-CN" altLang="en-US" smtClean="0"/>
+              <a:rPr lang="zh-CN" altLang="en-US"/>
               <a:t>第二级</a:t>
             </a:r>
-            <a:endParaRPr lang="zh-CN" altLang="en-US" smtClean="0"/>
           </a:p>
           <a:p>
             <a:pPr lvl="2"/>
             <a:r>
-              <a:rPr lang="zh-CN" altLang="en-US" smtClean="0"/>
+              <a:rPr lang="zh-CN" altLang="en-US"/>
               <a:t>第三级</a:t>
             </a:r>
-            <a:endParaRPr lang="zh-CN" altLang="en-US" smtClean="0"/>
           </a:p>
           <a:p>
             <a:pPr lvl="3"/>
             <a:r>
-              <a:rPr lang="zh-CN" altLang="en-US" smtClean="0"/>
+              <a:rPr lang="zh-CN" altLang="en-US"/>
               <a:t>第四级</a:t>
             </a:r>
-            <a:endParaRPr lang="zh-CN" altLang="en-US" smtClean="0"/>
           </a:p>
           <a:p>
             <a:pPr lvl="4"/>
             <a:r>
-              <a:rPr lang="zh-CN" altLang="en-US" smtClean="0"/>
+              <a:rPr lang="zh-CN" altLang="en-US"/>
               <a:t>第五级</a:t>
             </a:r>
-            <a:endParaRPr lang="zh-CN" altLang="en-US"/>
           </a:p>
         </p:txBody>
       </p:sp>
@@ -1333,6 +1586,7 @@
           <a:p>
             <a:fld id="{530820CF-B880-4189-942D-D702A7CBA730}" type="datetimeFigureOut">
               <a:rPr lang="zh-CN" altLang="en-US" smtClean="0"/>
+              <a:t>2023/4/10</a:t>
             </a:fld>
             <a:endParaRPr lang="zh-CN" altLang="en-US"/>
           </a:p>
@@ -1374,6 +1628,7 @@
           <a:p>
             <a:fld id="{0C913308-F349-4B6D-A68A-DD1791B4A57B}" type="slidenum">
               <a:rPr lang="zh-CN" altLang="en-US" smtClean="0"/>
+              <a:t>‹#›</a:t>
             </a:fld>
             <a:endParaRPr lang="zh-CN" altLang="en-US"/>
           </a:p>
@@ -1424,10 +1679,9 @@
           </a:lstStyle>
           <a:p>
             <a:r>
-              <a:rPr lang="zh-CN" altLang="en-US" smtClean="0"/>
+              <a:rPr lang="zh-CN" altLang="en-US"/>
               <a:t>单击此处编辑母版标题样式</a:t>
             </a:r>
-            <a:endParaRPr lang="zh-CN" altLang="en-US"/>
           </a:p>
         </p:txBody>
       </p:sp>
@@ -1490,10 +1744,9 @@
           <a:p>
             <a:pPr lvl="0"/>
             <a:r>
-              <a:rPr lang="zh-CN" altLang="en-US" smtClean="0"/>
+              <a:rPr lang="zh-CN" altLang="en-US"/>
               <a:t>单击此处编辑母版文本样式</a:t>
             </a:r>
-            <a:endParaRPr lang="zh-CN" altLang="en-US" smtClean="0"/>
           </a:p>
         </p:txBody>
       </p:sp>
@@ -1547,42 +1800,37 @@
           <a:p>
             <a:pPr lvl="0"/>
             <a:r>
-              <a:rPr lang="zh-CN" altLang="en-US" smtClean="0"/>
+              <a:rPr lang="zh-CN" altLang="en-US"/>
               <a:t>单击此处编辑母版文本样式</a:t>
             </a:r>
-            <a:endParaRPr lang="zh-CN" altLang="en-US" smtClean="0"/>
           </a:p>
           <a:p>
             <a:pPr lvl="1"/>
             <a:r>
-              <a:rPr lang="zh-CN" altLang="en-US" smtClean="0"/>
+              <a:rPr lang="zh-CN" altLang="en-US"/>
               <a:t>第二级</a:t>
             </a:r>
-            <a:endParaRPr lang="zh-CN" altLang="en-US" smtClean="0"/>
           </a:p>
           <a:p>
             <a:pPr lvl="2"/>
             <a:r>
-              <a:rPr lang="zh-CN" altLang="en-US" smtClean="0"/>
+              <a:rPr lang="zh-CN" altLang="en-US"/>
               <a:t>第三级</a:t>
             </a:r>
-            <a:endParaRPr lang="zh-CN" altLang="en-US" smtClean="0"/>
           </a:p>
           <a:p>
             <a:pPr lvl="3"/>
             <a:r>
-              <a:rPr lang="zh-CN" altLang="en-US" smtClean="0"/>
+              <a:rPr lang="zh-CN" altLang="en-US"/>
               <a:t>第四级</a:t>
             </a:r>
-            <a:endParaRPr lang="zh-CN" altLang="en-US" smtClean="0"/>
           </a:p>
           <a:p>
             <a:pPr lvl="4"/>
             <a:r>
-              <a:rPr lang="zh-CN" altLang="en-US" smtClean="0"/>
+              <a:rPr lang="zh-CN" altLang="en-US"/>
               <a:t>第五级</a:t>
             </a:r>
-            <a:endParaRPr lang="zh-CN" altLang="en-US"/>
           </a:p>
         </p:txBody>
       </p:sp>
@@ -1645,10 +1893,9 @@
           <a:p>
             <a:pPr lvl="0"/>
             <a:r>
-              <a:rPr lang="zh-CN" altLang="en-US" smtClean="0"/>
+              <a:rPr lang="zh-CN" altLang="en-US"/>
               <a:t>单击此处编辑母版文本样式</a:t>
             </a:r>
-            <a:endParaRPr lang="zh-CN" altLang="en-US" smtClean="0"/>
           </a:p>
         </p:txBody>
       </p:sp>
@@ -1702,42 +1949,37 @@
           <a:p>
             <a:pPr lvl="0"/>
             <a:r>
-              <a:rPr lang="zh-CN" altLang="en-US" smtClean="0"/>
+              <a:rPr lang="zh-CN" altLang="en-US"/>
               <a:t>单击此处编辑母版文本样式</a:t>
             </a:r>
-            <a:endParaRPr lang="zh-CN" altLang="en-US" smtClean="0"/>
           </a:p>
           <a:p>
             <a:pPr lvl="1"/>
             <a:r>
-              <a:rPr lang="zh-CN" altLang="en-US" smtClean="0"/>
+              <a:rPr lang="zh-CN" altLang="en-US"/>
               <a:t>第二级</a:t>
             </a:r>
-            <a:endParaRPr lang="zh-CN" altLang="en-US" smtClean="0"/>
           </a:p>
           <a:p>
             <a:pPr lvl="2"/>
             <a:r>
-              <a:rPr lang="zh-CN" altLang="en-US" smtClean="0"/>
+              <a:rPr lang="zh-CN" altLang="en-US"/>
               <a:t>第三级</a:t>
             </a:r>
-            <a:endParaRPr lang="zh-CN" altLang="en-US" smtClean="0"/>
           </a:p>
           <a:p>
             <a:pPr lvl="3"/>
             <a:r>
-              <a:rPr lang="zh-CN" altLang="en-US" smtClean="0"/>
+              <a:rPr lang="zh-CN" altLang="en-US"/>
               <a:t>第四级</a:t>
             </a:r>
-            <a:endParaRPr lang="zh-CN" altLang="en-US" smtClean="0"/>
           </a:p>
           <a:p>
             <a:pPr lvl="4"/>
             <a:r>
-              <a:rPr lang="zh-CN" altLang="en-US" smtClean="0"/>
+              <a:rPr lang="zh-CN" altLang="en-US"/>
               <a:t>第五级</a:t>
             </a:r>
-            <a:endParaRPr lang="zh-CN" altLang="en-US"/>
           </a:p>
         </p:txBody>
       </p:sp>
@@ -1758,6 +2000,7 @@
           <a:p>
             <a:fld id="{530820CF-B880-4189-942D-D702A7CBA730}" type="datetimeFigureOut">
               <a:rPr lang="zh-CN" altLang="en-US" smtClean="0"/>
+              <a:t>2023/4/10</a:t>
             </a:fld>
             <a:endParaRPr lang="zh-CN" altLang="en-US"/>
           </a:p>
@@ -1799,6 +2042,7 @@
           <a:p>
             <a:fld id="{0C913308-F349-4B6D-A68A-DD1791B4A57B}" type="slidenum">
               <a:rPr lang="zh-CN" altLang="en-US" smtClean="0"/>
+              <a:t>‹#›</a:t>
             </a:fld>
             <a:endParaRPr lang="zh-CN" altLang="en-US"/>
           </a:p>
@@ -1845,10 +2089,9 @@
           <a:lstStyle/>
           <a:p>
             <a:r>
-              <a:rPr lang="zh-CN" altLang="en-US" smtClean="0"/>
+              <a:rPr lang="zh-CN" altLang="en-US"/>
               <a:t>单击此处编辑母版标题样式</a:t>
             </a:r>
-            <a:endParaRPr lang="zh-CN" altLang="en-US"/>
           </a:p>
         </p:txBody>
       </p:sp>
@@ -1869,6 +2112,7 @@
           <a:p>
             <a:fld id="{530820CF-B880-4189-942D-D702A7CBA730}" type="datetimeFigureOut">
               <a:rPr lang="zh-CN" altLang="en-US" smtClean="0"/>
+              <a:t>2023/4/10</a:t>
             </a:fld>
             <a:endParaRPr lang="zh-CN" altLang="en-US"/>
           </a:p>
@@ -1910,6 +2154,7 @@
           <a:p>
             <a:fld id="{0C913308-F349-4B6D-A68A-DD1791B4A57B}" type="slidenum">
               <a:rPr lang="zh-CN" altLang="en-US" smtClean="0"/>
+              <a:t>‹#›</a:t>
             </a:fld>
             <a:endParaRPr lang="zh-CN" altLang="en-US"/>
           </a:p>
@@ -1957,6 +2202,7 @@
           <a:p>
             <a:fld id="{530820CF-B880-4189-942D-D702A7CBA730}" type="datetimeFigureOut">
               <a:rPr lang="zh-CN" altLang="en-US" smtClean="0"/>
+              <a:t>2023/4/10</a:t>
             </a:fld>
             <a:endParaRPr lang="zh-CN" altLang="en-US"/>
           </a:p>
@@ -1998,6 +2244,7 @@
           <a:p>
             <a:fld id="{0C913308-F349-4B6D-A68A-DD1791B4A57B}" type="slidenum">
               <a:rPr lang="zh-CN" altLang="en-US" smtClean="0"/>
+              <a:t>‹#›</a:t>
             </a:fld>
             <a:endParaRPr lang="zh-CN" altLang="en-US"/>
           </a:p>
@@ -2053,10 +2300,9 @@
           </a:lstStyle>
           <a:p>
             <a:r>
-              <a:rPr lang="zh-CN" altLang="en-US" smtClean="0"/>
+              <a:rPr lang="zh-CN" altLang="en-US"/>
               <a:t>单击此处编辑母版标题样式</a:t>
             </a:r>
-            <a:endParaRPr lang="zh-CN" altLang="en-US"/>
           </a:p>
         </p:txBody>
       </p:sp>
@@ -2110,42 +2356,37 @@
           <a:p>
             <a:pPr lvl="0"/>
             <a:r>
-              <a:rPr lang="zh-CN" altLang="en-US" smtClean="0"/>
+              <a:rPr lang="zh-CN" altLang="en-US"/>
               <a:t>单击此处编辑母版文本样式</a:t>
             </a:r>
-            <a:endParaRPr lang="zh-CN" altLang="en-US" smtClean="0"/>
           </a:p>
           <a:p>
             <a:pPr lvl="1"/>
             <a:r>
-              <a:rPr lang="zh-CN" altLang="en-US" smtClean="0"/>
+              <a:rPr lang="zh-CN" altLang="en-US"/>
               <a:t>第二级</a:t>
             </a:r>
-            <a:endParaRPr lang="zh-CN" altLang="en-US" smtClean="0"/>
           </a:p>
           <a:p>
             <a:pPr lvl="2"/>
             <a:r>
-              <a:rPr lang="zh-CN" altLang="en-US" smtClean="0"/>
+              <a:rPr lang="zh-CN" altLang="en-US"/>
               <a:t>第三级</a:t>
             </a:r>
-            <a:endParaRPr lang="zh-CN" altLang="en-US" smtClean="0"/>
           </a:p>
           <a:p>
             <a:pPr lvl="3"/>
             <a:r>
-              <a:rPr lang="zh-CN" altLang="en-US" smtClean="0"/>
+              <a:rPr lang="zh-CN" altLang="en-US"/>
               <a:t>第四级</a:t>
             </a:r>
-            <a:endParaRPr lang="zh-CN" altLang="en-US" smtClean="0"/>
           </a:p>
           <a:p>
             <a:pPr lvl="4"/>
             <a:r>
-              <a:rPr lang="zh-CN" altLang="en-US" smtClean="0"/>
+              <a:rPr lang="zh-CN" altLang="en-US"/>
               <a:t>第五级</a:t>
             </a:r>
-            <a:endParaRPr lang="zh-CN" altLang="en-US"/>
           </a:p>
         </p:txBody>
       </p:sp>
@@ -2208,10 +2449,9 @@
           <a:p>
             <a:pPr lvl="0"/>
             <a:r>
-              <a:rPr lang="zh-CN" altLang="en-US" smtClean="0"/>
+              <a:rPr lang="zh-CN" altLang="en-US"/>
               <a:t>单击此处编辑母版文本样式</a:t>
             </a:r>
-            <a:endParaRPr lang="zh-CN" altLang="en-US" smtClean="0"/>
           </a:p>
         </p:txBody>
       </p:sp>
@@ -2232,6 +2472,7 @@
           <a:p>
             <a:fld id="{530820CF-B880-4189-942D-D702A7CBA730}" type="datetimeFigureOut">
               <a:rPr lang="zh-CN" altLang="en-US" smtClean="0"/>
+              <a:t>2023/4/10</a:t>
             </a:fld>
             <a:endParaRPr lang="zh-CN" altLang="en-US"/>
           </a:p>
@@ -2273,6 +2514,7 @@
           <a:p>
             <a:fld id="{0C913308-F349-4B6D-A68A-DD1791B4A57B}" type="slidenum">
               <a:rPr lang="zh-CN" altLang="en-US" smtClean="0"/>
+              <a:t>‹#›</a:t>
             </a:fld>
             <a:endParaRPr lang="zh-CN" altLang="en-US"/>
           </a:p>
@@ -2328,10 +2570,9 @@
           </a:lstStyle>
           <a:p>
             <a:r>
-              <a:rPr lang="zh-CN" altLang="en-US" smtClean="0"/>
+              <a:rPr lang="zh-CN" altLang="en-US"/>
               <a:t>单击此处编辑母版标题样式</a:t>
             </a:r>
-            <a:endParaRPr lang="zh-CN" altLang="en-US"/>
           </a:p>
         </p:txBody>
       </p:sp>
@@ -2455,10 +2696,9 @@
           <a:p>
             <a:pPr lvl="0"/>
             <a:r>
-              <a:rPr lang="zh-CN" altLang="en-US" smtClean="0"/>
+              <a:rPr lang="zh-CN" altLang="en-US"/>
               <a:t>单击此处编辑母版文本样式</a:t>
             </a:r>
-            <a:endParaRPr lang="zh-CN" altLang="en-US" smtClean="0"/>
           </a:p>
         </p:txBody>
       </p:sp>
@@ -2479,6 +2719,7 @@
           <a:p>
             <a:fld id="{530820CF-B880-4189-942D-D702A7CBA730}" type="datetimeFigureOut">
               <a:rPr lang="zh-CN" altLang="en-US" smtClean="0"/>
+              <a:t>2023/4/10</a:t>
             </a:fld>
             <a:endParaRPr lang="zh-CN" altLang="en-US"/>
           </a:p>
@@ -2520,6 +2761,7 @@
           <a:p>
             <a:fld id="{0C913308-F349-4B6D-A68A-DD1791B4A57B}" type="slidenum">
               <a:rPr lang="zh-CN" altLang="en-US" smtClean="0"/>
+              <a:t>‹#›</a:t>
             </a:fld>
             <a:endParaRPr lang="zh-CN" altLang="en-US"/>
           </a:p>
@@ -2581,10 +2823,9 @@
           <a:lstStyle/>
           <a:p>
             <a:r>
-              <a:rPr lang="zh-CN" altLang="en-US" smtClean="0"/>
+              <a:rPr lang="zh-CN" altLang="en-US"/>
               <a:t>单击此处编辑母版标题样式</a:t>
             </a:r>
-            <a:endParaRPr lang="zh-CN" altLang="en-US"/>
           </a:p>
         </p:txBody>
       </p:sp>
@@ -2615,42 +2856,37 @@
           <a:p>
             <a:pPr lvl="0"/>
             <a:r>
-              <a:rPr lang="zh-CN" altLang="en-US" smtClean="0"/>
+              <a:rPr lang="zh-CN" altLang="en-US"/>
               <a:t>单击此处编辑母版文本样式</a:t>
             </a:r>
-            <a:endParaRPr lang="zh-CN" altLang="en-US" smtClean="0"/>
           </a:p>
           <a:p>
             <a:pPr lvl="1"/>
             <a:r>
-              <a:rPr lang="zh-CN" altLang="en-US" smtClean="0"/>
+              <a:rPr lang="zh-CN" altLang="en-US"/>
               <a:t>第二级</a:t>
             </a:r>
-            <a:endParaRPr lang="zh-CN" altLang="en-US" smtClean="0"/>
           </a:p>
           <a:p>
             <a:pPr lvl="2"/>
             <a:r>
-              <a:rPr lang="zh-CN" altLang="en-US" smtClean="0"/>
+              <a:rPr lang="zh-CN" altLang="en-US"/>
               <a:t>第三级</a:t>
             </a:r>
-            <a:endParaRPr lang="zh-CN" altLang="en-US" smtClean="0"/>
           </a:p>
           <a:p>
             <a:pPr lvl="3"/>
             <a:r>
-              <a:rPr lang="zh-CN" altLang="en-US" smtClean="0"/>
+              <a:rPr lang="zh-CN" altLang="en-US"/>
               <a:t>第四级</a:t>
             </a:r>
-            <a:endParaRPr lang="zh-CN" altLang="en-US" smtClean="0"/>
           </a:p>
           <a:p>
             <a:pPr lvl="4"/>
             <a:r>
-              <a:rPr lang="zh-CN" altLang="en-US" smtClean="0"/>
+              <a:rPr lang="zh-CN" altLang="en-US"/>
               <a:t>第五级</a:t>
             </a:r>
-            <a:endParaRPr lang="zh-CN" altLang="en-US"/>
           </a:p>
         </p:txBody>
       </p:sp>
@@ -2689,6 +2925,7 @@
           <a:p>
             <a:fld id="{530820CF-B880-4189-942D-D702A7CBA730}" type="datetimeFigureOut">
               <a:rPr lang="zh-CN" altLang="en-US" smtClean="0"/>
+              <a:t>2023/4/10</a:t>
             </a:fld>
             <a:endParaRPr lang="zh-CN" altLang="en-US"/>
           </a:p>
@@ -2766,6 +3003,7 @@
           <a:p>
             <a:fld id="{0C913308-F349-4B6D-A68A-DD1791B4A57B}" type="slidenum">
               <a:rPr lang="zh-CN" altLang="en-US" smtClean="0"/>
+              <a:t>‹#›</a:t>
             </a:fld>
             <a:endParaRPr lang="zh-CN" altLang="en-US"/>
           </a:p>
@@ -3073,10 +3311,9 @@
           <a:lstStyle/>
           <a:p>
             <a:r>
-              <a:rPr lang="zh-CN" altLang="en-US" dirty="0" smtClean="0"/>
+              <a:rPr lang="zh-CN" altLang="en-US" dirty="0"/>
               <a:t>习题课</a:t>
             </a:r>
-            <a:endParaRPr lang="zh-CN" altLang="en-US" dirty="0"/>
           </a:p>
         </p:txBody>
       </p:sp>
@@ -3096,14 +3333,13 @@
           <a:lstStyle/>
           <a:p>
             <a:r>
-              <a:rPr lang="en-US" altLang="zh-CN" dirty="0" smtClean="0"/>
+              <a:rPr lang="en-US" altLang="zh-CN" dirty="0"/>
               <a:t>Web</a:t>
             </a:r>
             <a:r>
-              <a:rPr lang="zh-CN" altLang="en-US" dirty="0" smtClean="0"/>
+              <a:rPr lang="zh-CN" altLang="en-US" dirty="0"/>
               <a:t>计算</a:t>
             </a:r>
-            <a:endParaRPr lang="zh-CN" altLang="en-US" dirty="0"/>
           </a:p>
         </p:txBody>
       </p:sp>
@@ -3154,11 +3390,11 @@
           <a:lstStyle/>
           <a:p>
             <a:r>
-              <a:rPr lang="zh-CN" altLang="en-US" sz="4000" dirty="0" smtClean="0"/>
+              <a:rPr lang="zh-CN" altLang="en-US" sz="4000" dirty="0"/>
               <a:t>概念</a:t>
             </a:r>
             <a:r>
-              <a:rPr lang="en-US" altLang="zh-CN" sz="4000" dirty="0" smtClean="0"/>
+              <a:rPr lang="en-US" altLang="zh-CN" sz="4000" dirty="0"/>
               <a:t>-1</a:t>
             </a:r>
             <a:endParaRPr lang="zh-CN" altLang="en-US" sz="4000" dirty="0"/>
@@ -3187,10 +3423,10 @@
           <a:lstStyle/>
           <a:p>
             <a:r>
-              <a:rPr lang="ja-JP" altLang="zh-CN" sz="3600" dirty="0" smtClean="0"/>
+              <a:rPr lang="ja-JP" altLang="zh-CN" sz="3600" dirty="0"/>
               <a:t>ハイパーリンク</a:t>
             </a:r>
-            <a:endParaRPr lang="en-US" altLang="ja-JP" sz="3600" dirty="0" smtClean="0"/>
+            <a:endParaRPr lang="en-US" altLang="ja-JP" sz="3600" dirty="0"/>
           </a:p>
           <a:p>
             <a:r>
@@ -3205,50 +3441,46 @@
               <a:rPr lang="zh-CN" altLang="en-US" sz="3600" dirty="0"/>
               <a:t> </a:t>
             </a:r>
-            <a:endParaRPr lang="en-US" altLang="ja-JP" sz="3600" dirty="0" smtClean="0"/>
-          </a:p>
-          <a:p>
-            <a:r>
-              <a:rPr lang="en-US" altLang="zh-CN" sz="3600" dirty="0" smtClean="0"/>
+            <a:endParaRPr lang="en-US" altLang="ja-JP" sz="3600" dirty="0"/>
+          </a:p>
+          <a:p>
+            <a:r>
+              <a:rPr lang="en-US" altLang="zh-CN" sz="3600" dirty="0"/>
               <a:t>XML</a:t>
             </a:r>
-            <a:endParaRPr lang="en-US" altLang="zh-CN" sz="3600" dirty="0" smtClean="0"/>
-          </a:p>
-          <a:p>
-            <a:r>
-              <a:rPr lang="en-US" altLang="zh-CN" sz="3600" dirty="0" smtClean="0"/>
+          </a:p>
+          <a:p>
+            <a:r>
+              <a:rPr lang="en-US" altLang="zh-CN" sz="3600" dirty="0"/>
               <a:t>WWW</a:t>
             </a:r>
-            <a:endParaRPr lang="en-US" altLang="zh-CN" sz="3600" dirty="0" smtClean="0"/>
-          </a:p>
-          <a:p>
-            <a:r>
-              <a:rPr lang="en-US" altLang="zh-CN" sz="3600" dirty="0" smtClean="0"/>
+          </a:p>
+          <a:p>
+            <a:r>
+              <a:rPr lang="en-US" altLang="zh-CN" sz="3600" dirty="0"/>
               <a:t>HTTP</a:t>
             </a:r>
-            <a:endParaRPr lang="en-US" altLang="zh-CN" sz="3600" dirty="0" smtClean="0"/>
-          </a:p>
-          <a:p>
-            <a:r>
-              <a:rPr lang="en-US" altLang="zh-CN" sz="3600" dirty="0" smtClean="0"/>
+          </a:p>
+          <a:p>
+            <a:r>
+              <a:rPr lang="en-US" altLang="zh-CN" sz="3600" dirty="0"/>
               <a:t>SOA</a:t>
             </a:r>
-            <a:endParaRPr lang="en-US" altLang="zh-CN" sz="3600" dirty="0" smtClean="0"/>
-          </a:p>
-          <a:p>
-            <a:r>
-              <a:rPr lang="zh-CN" altLang="zh-CN" sz="3600" dirty="0" smtClean="0"/>
+          </a:p>
+          <a:p>
+            <a:r>
+              <a:rPr lang="zh-CN" altLang="zh-CN" sz="3600" dirty="0"/>
               <a:t>R</a:t>
             </a:r>
             <a:r>
-              <a:rPr lang="en-US" altLang="zh-CN" sz="3600" dirty="0" err="1" smtClean="0"/>
+              <a:rPr lang="en-US" altLang="zh-CN" sz="3600" dirty="0" err="1"/>
               <a:t>eferer</a:t>
             </a:r>
-            <a:endParaRPr lang="en-US" altLang="zh-CN" sz="3600" dirty="0" smtClean="0"/>
-          </a:p>
-          <a:p>
-            <a:r>
-              <a:rPr lang="en-US" altLang="ja-JP" sz="3600" dirty="0" smtClean="0"/>
+            <a:endParaRPr lang="en-US" altLang="zh-CN" sz="3600" dirty="0"/>
+          </a:p>
+          <a:p>
+            <a:r>
+              <a:rPr lang="en-US" altLang="ja-JP" sz="3600" dirty="0"/>
               <a:t>Web</a:t>
             </a:r>
             <a:r>
@@ -3259,7 +3491,7 @@
               </a:rPr>
               <a:t>アプリケーション </a:t>
             </a:r>
-            <a:endParaRPr lang="en-US" altLang="ja-JP" sz="3600" dirty="0" smtClean="0">
+            <a:endParaRPr lang="en-US" altLang="ja-JP" sz="3600" dirty="0">
               <a:latin typeface="ＭＳ Ｐゴシック" panose="020B0600070205080204" charset="-122"/>
               <a:ea typeface="ＭＳ Ｐゴシック" panose="020B0600070205080204" charset="-122"/>
               <a:cs typeface="ＭＳ Ｐゴシック" panose="020B0600070205080204" charset="-122"/>
@@ -3270,14 +3502,12 @@
               <a:rPr lang="ja-JP" altLang="en-US" sz="3600" dirty="0"/>
               <a:t>CGI</a:t>
             </a:r>
-            <a:endParaRPr lang="ja-JP" altLang="en-US" sz="3600" dirty="0"/>
           </a:p>
           <a:p>
             <a:r>
               <a:rPr lang="ja-JP" altLang="en-US" sz="3600" dirty="0"/>
               <a:t>DBMS</a:t>
             </a:r>
-            <a:endParaRPr lang="ja-JP" altLang="en-US" sz="3600" dirty="0"/>
           </a:p>
         </p:txBody>
       </p:sp>
@@ -3304,23 +3534,18 @@
           <a:p>
             <a:pPr lvl="0"/>
             <a:r>
-              <a:rPr lang="en-US" altLang="zh-CN" sz="3600" dirty="0" smtClean="0">
+              <a:rPr lang="en-US" altLang="zh-CN" sz="3600" dirty="0">
                 <a:solidFill>
                   <a:prstClr val="black"/>
                 </a:solidFill>
               </a:rPr>
               <a:t>HTML</a:t>
             </a:r>
-            <a:endParaRPr lang="en-US" altLang="zh-CN" sz="3600" dirty="0" smtClean="0">
-              <a:solidFill>
-                <a:prstClr val="black"/>
-              </a:solidFill>
-            </a:endParaRPr>
           </a:p>
           <a:p>
             <a:pPr lvl="0"/>
             <a:r>
-              <a:rPr lang="zh-CN" altLang="zh-CN" sz="3600" dirty="0" smtClean="0">
+              <a:rPr lang="zh-CN" altLang="zh-CN" sz="3600" dirty="0">
                 <a:solidFill>
                   <a:prstClr val="black"/>
                 </a:solidFill>
@@ -3328,110 +3553,80 @@
               <a:t>G</a:t>
             </a:r>
             <a:r>
-              <a:rPr lang="en-US" altLang="zh-CN" sz="3600" dirty="0" smtClean="0">
+              <a:rPr lang="en-US" altLang="zh-CN" sz="3600" dirty="0">
                 <a:solidFill>
                   <a:prstClr val="black"/>
                 </a:solidFill>
               </a:rPr>
               <a:t>ET</a:t>
             </a:r>
-            <a:endParaRPr lang="en-US" altLang="zh-CN" sz="3600" dirty="0" smtClean="0">
-              <a:solidFill>
-                <a:prstClr val="black"/>
-              </a:solidFill>
-            </a:endParaRPr>
           </a:p>
           <a:p>
             <a:pPr lvl="0"/>
             <a:r>
-              <a:rPr lang="en-US" altLang="zh-CN" sz="3600" dirty="0" smtClean="0">
+              <a:rPr lang="en-US" altLang="zh-CN" sz="3600" dirty="0">
                 <a:solidFill>
                   <a:prstClr val="black"/>
                 </a:solidFill>
               </a:rPr>
               <a:t>POST</a:t>
             </a:r>
-            <a:endParaRPr lang="en-US" altLang="zh-CN" sz="3600" dirty="0" smtClean="0">
-              <a:solidFill>
-                <a:prstClr val="black"/>
-              </a:solidFill>
-            </a:endParaRPr>
           </a:p>
           <a:p>
             <a:pPr lvl="0"/>
             <a:r>
-              <a:rPr lang="en-US" altLang="zh-CN" sz="3600" dirty="0" smtClean="0">
+              <a:rPr lang="en-US" altLang="zh-CN" sz="3600" dirty="0">
                 <a:solidFill>
                   <a:prstClr val="black"/>
                 </a:solidFill>
               </a:rPr>
               <a:t>PHP</a:t>
             </a:r>
-            <a:endParaRPr lang="en-US" altLang="zh-CN" sz="3600" dirty="0" smtClean="0">
-              <a:solidFill>
-                <a:prstClr val="black"/>
-              </a:solidFill>
-            </a:endParaRPr>
           </a:p>
           <a:p>
             <a:pPr lvl="0"/>
             <a:r>
-              <a:rPr lang="en-US" altLang="zh-CN" sz="3600" dirty="0" smtClean="0">
+              <a:rPr lang="en-US" altLang="zh-CN" sz="3600" dirty="0">
                 <a:solidFill>
                   <a:prstClr val="black"/>
                 </a:solidFill>
               </a:rPr>
               <a:t>SEO</a:t>
             </a:r>
-            <a:endParaRPr lang="en-US" altLang="zh-CN" sz="3600" dirty="0">
-              <a:solidFill>
-                <a:prstClr val="black"/>
-              </a:solidFill>
-            </a:endParaRPr>
           </a:p>
           <a:p>
             <a:pPr lvl="0"/>
             <a:r>
-              <a:rPr lang="en-US" altLang="zh-CN" sz="3600" dirty="0" smtClean="0">
+              <a:rPr lang="en-US" altLang="zh-CN" sz="3600" dirty="0">
                 <a:solidFill>
                   <a:prstClr val="black"/>
                 </a:solidFill>
               </a:rPr>
               <a:t>REST</a:t>
             </a:r>
-            <a:endParaRPr lang="en-US" altLang="zh-CN" sz="3600" dirty="0" smtClean="0">
-              <a:solidFill>
-                <a:prstClr val="black"/>
-              </a:solidFill>
-            </a:endParaRPr>
           </a:p>
           <a:p>
             <a:pPr lvl="0"/>
             <a:r>
-              <a:rPr lang="en-US" altLang="zh-CN" sz="3600" dirty="0" smtClean="0">
+              <a:rPr lang="en-US" altLang="zh-CN" sz="3600" dirty="0">
                 <a:solidFill>
                   <a:prstClr val="black"/>
                 </a:solidFill>
               </a:rPr>
               <a:t>SOE</a:t>
             </a:r>
-            <a:endParaRPr lang="en-US" altLang="zh-CN" sz="3600" dirty="0" smtClean="0">
-              <a:solidFill>
-                <a:prstClr val="black"/>
-              </a:solidFill>
-            </a:endParaRPr>
           </a:p>
           <a:p>
             <a:pPr lvl="0"/>
             <a:r>
-              <a:rPr lang="ja-JP" altLang="zh-CN" sz="3600" dirty="0" smtClean="0">
+              <a:rPr lang="ja-JP" altLang="zh-CN" sz="3600" dirty="0">
                 <a:solidFill>
                   <a:prstClr val="black"/>
                 </a:solidFill>
               </a:rPr>
               <a:t>マッシュアップ</a:t>
             </a:r>
-            <a:endParaRPr lang="en-US" altLang="ja-JP" sz="3600" dirty="0" smtClean="0">
+            <a:endParaRPr lang="en-US" altLang="ja-JP" sz="3600" dirty="0">
               <a:solidFill>
                 <a:prstClr val="black"/>
               </a:solidFill>
@@ -3440,15 +3635,14 @@
           <a:p>
             <a:pPr lvl="0"/>
             <a:r>
-              <a:rPr lang="ja-JP" altLang="zh-CN" sz="3600" dirty="0" smtClean="0"/>
+              <a:rPr lang="ja-JP" altLang="zh-CN" sz="3600" dirty="0"/>
               <a:t>アドエクスチェンジ</a:t>
             </a:r>
-            <a:endParaRPr lang="ja-JP" altLang="zh-CN" sz="3600" dirty="0" smtClean="0"/>
           </a:p>
           <a:p>
             <a:pPr lvl="0"/>
             <a:r>
-              <a:rPr lang="zh-CN" altLang="zh-CN" sz="3600" dirty="0" smtClean="0"/>
+              <a:rPr lang="zh-CN" altLang="zh-CN" sz="3600" dirty="0"/>
               <a:t> </a:t>
             </a:r>
             <a:r>
@@ -3467,6 +3661,159 @@
           </a:p>
         </p:txBody>
       </p:sp>
+      <mc:AlternateContent xmlns:mc="http://schemas.openxmlformats.org/markup-compatibility/2006" xmlns:p14="http://schemas.microsoft.com/office/powerpoint/2010/main">
+        <mc:Choice Requires="p14">
+          <p:contentPart p14:bwMode="auto" r:id="rId2">
+            <p14:nvContentPartPr>
+              <p14:cNvPr id="5" name="墨迹 4">
+                <a:extLst>
+                  <a:ext uri="{FF2B5EF4-FFF2-40B4-BE49-F238E27FC236}">
+                    <a16:creationId xmlns:a16="http://schemas.microsoft.com/office/drawing/2014/main" id="{CC1F9F46-2F50-C9A4-B57A-1D0C56F8AE45}"/>
+                  </a:ext>
+                </a:extLst>
+              </p14:cNvPr>
+              <p14:cNvContentPartPr/>
+              <p14:nvPr/>
+            </p14:nvContentPartPr>
+            <p14:xfrm>
+              <a:off x="551376" y="4133218"/>
+              <a:ext cx="1642320" cy="585720"/>
+            </p14:xfrm>
+          </p:contentPart>
+        </mc:Choice>
+        <mc:Fallback xmlns="">
+          <p:pic>
+            <p:nvPicPr>
+              <p:cNvPr id="5" name="墨迹 4">
+                <a:extLst>
+                  <a:ext uri="{FF2B5EF4-FFF2-40B4-BE49-F238E27FC236}">
+                    <a16:creationId xmlns:a16="http://schemas.microsoft.com/office/drawing/2014/main" id="{CC1F9F46-2F50-C9A4-B57A-1D0C56F8AE45}"/>
+                  </a:ext>
+                </a:extLst>
+              </p:cNvPr>
+              <p:cNvPicPr/>
+              <p:nvPr/>
+            </p:nvPicPr>
+            <p:blipFill>
+              <a:blip r:embed="rId3"/>
+              <a:stretch>
+                <a:fillRect/>
+              </a:stretch>
+            </p:blipFill>
+            <p:spPr>
+              <a:xfrm>
+                <a:off x="542376" y="4124218"/>
+                <a:ext cx="1659960" cy="603360"/>
+              </a:xfrm>
+              <a:prstGeom prst="rect">
+                <a:avLst/>
+              </a:prstGeom>
+            </p:spPr>
+          </p:pic>
+        </mc:Fallback>
+      </mc:AlternateContent>
+      <mc:AlternateContent xmlns:mc="http://schemas.openxmlformats.org/markup-compatibility/2006" xmlns:p14="http://schemas.microsoft.com/office/powerpoint/2010/main">
+        <mc:Choice Requires="p14">
+          <p:contentPart p14:bwMode="auto" r:id="rId4">
+            <p14:nvContentPartPr>
+              <p14:cNvPr id="8" name="墨迹 7">
+                <a:extLst>
+                  <a:ext uri="{FF2B5EF4-FFF2-40B4-BE49-F238E27FC236}">
+                    <a16:creationId xmlns:a16="http://schemas.microsoft.com/office/drawing/2014/main" id="{FA5157DC-B4DB-B81B-99DB-CE1547EA5C1B}"/>
+                  </a:ext>
+                </a:extLst>
+              </p14:cNvPr>
+              <p14:cNvContentPartPr/>
+              <p14:nvPr/>
+            </p14:nvContentPartPr>
+            <p14:xfrm>
+              <a:off x="5159016" y="4231138"/>
+              <a:ext cx="1447200" cy="579960"/>
+            </p14:xfrm>
+          </p:contentPart>
+        </mc:Choice>
+        <mc:Fallback xmlns="">
+          <p:pic>
+            <p:nvPicPr>
+              <p:cNvPr id="8" name="墨迹 7">
+                <a:extLst>
+                  <a:ext uri="{FF2B5EF4-FFF2-40B4-BE49-F238E27FC236}">
+                    <a16:creationId xmlns:a16="http://schemas.microsoft.com/office/drawing/2014/main" id="{FA5157DC-B4DB-B81B-99DB-CE1547EA5C1B}"/>
+                  </a:ext>
+                </a:extLst>
+              </p:cNvPr>
+              <p:cNvPicPr/>
+              <p:nvPr/>
+            </p:nvPicPr>
+            <p:blipFill>
+              <a:blip r:embed="rId5"/>
+              <a:stretch>
+                <a:fillRect/>
+              </a:stretch>
+            </p:blipFill>
+            <p:spPr>
+              <a:xfrm>
+                <a:off x="5150016" y="4222498"/>
+                <a:ext cx="1464840" cy="597600"/>
+              </a:xfrm>
+              <a:prstGeom prst="rect">
+                <a:avLst/>
+              </a:prstGeom>
+            </p:spPr>
+          </p:pic>
+        </mc:Fallback>
+      </mc:AlternateContent>
+      <mc:AlternateContent xmlns:mc="http://schemas.openxmlformats.org/markup-compatibility/2006">
+        <mc:Choice xmlns:p14="http://schemas.microsoft.com/office/powerpoint/2010/main" Requires="p14">
+          <p:contentPart p14:bwMode="auto" r:id="rId6">
+            <p14:nvContentPartPr>
+              <p14:cNvPr id="7" name="墨迹 6">
+                <a:extLst>
+                  <a:ext uri="{FF2B5EF4-FFF2-40B4-BE49-F238E27FC236}">
+                    <a16:creationId xmlns:a16="http://schemas.microsoft.com/office/drawing/2014/main" id="{42E7DE09-19F0-A2C9-6D1C-DDCAC13AA520}"/>
+                  </a:ext>
+                </a:extLst>
+              </p14:cNvPr>
+              <p14:cNvContentPartPr/>
+              <p14:nvPr/>
+            </p14:nvContentPartPr>
+            <p14:xfrm>
+              <a:off x="5237464" y="5259759"/>
+              <a:ext cx="3670200" cy="797040"/>
+            </p14:xfrm>
+          </p:contentPart>
+        </mc:Choice>
+        <mc:Fallback>
+          <p:pic>
+            <p:nvPicPr>
+              <p:cNvPr id="7" name="墨迹 6">
+                <a:extLst>
+                  <a:ext uri="{FF2B5EF4-FFF2-40B4-BE49-F238E27FC236}">
+                    <a16:creationId xmlns:a16="http://schemas.microsoft.com/office/drawing/2014/main" id="{42E7DE09-19F0-A2C9-6D1C-DDCAC13AA520}"/>
+                  </a:ext>
+                </a:extLst>
+              </p:cNvPr>
+              <p:cNvPicPr/>
+              <p:nvPr/>
+            </p:nvPicPr>
+            <p:blipFill>
+              <a:blip r:embed="rId7"/>
+              <a:stretch>
+                <a:fillRect/>
+              </a:stretch>
+            </p:blipFill>
+            <p:spPr>
+              <a:xfrm>
+                <a:off x="5228464" y="5250759"/>
+                <a:ext cx="3687840" cy="814680"/>
+              </a:xfrm>
+              <a:prstGeom prst="rect">
+                <a:avLst/>
+              </a:prstGeom>
+            </p:spPr>
+          </p:pic>
+        </mc:Fallback>
+      </mc:AlternateContent>
     </p:spTree>
   </p:cSld>
   <p:clrMapOvr>
@@ -3514,11 +3861,11 @@
           <a:lstStyle/>
           <a:p>
             <a:r>
-              <a:rPr lang="zh-CN" altLang="en-US" sz="4000" dirty="0" smtClean="0"/>
+              <a:rPr lang="zh-CN" altLang="en-US" sz="4000" dirty="0"/>
               <a:t>概念</a:t>
             </a:r>
             <a:r>
-              <a:rPr lang="en-US" altLang="zh-CN" sz="4000" dirty="0" smtClean="0"/>
+              <a:rPr lang="en-US" altLang="zh-CN" sz="4000" dirty="0"/>
               <a:t>-2</a:t>
             </a:r>
             <a:endParaRPr lang="zh-CN" altLang="en-US" sz="4000" dirty="0"/>
@@ -3551,12 +3898,12 @@
               <a:rPr lang="ja-JP" altLang="en-US" sz="3600" dirty="0"/>
               <a:t>検索エンジン</a:t>
             </a:r>
-            <a:endParaRPr lang="en-US" altLang="zh-CN" sz="3600" dirty="0" smtClean="0"/>
+            <a:endParaRPr lang="en-US" altLang="zh-CN" sz="3600" dirty="0"/>
           </a:p>
           <a:p>
             <a:pPr lvl="0"/>
             <a:r>
-              <a:rPr lang="en-US" altLang="zh-CN" sz="3600" dirty="0" smtClean="0"/>
+              <a:rPr lang="en-US" altLang="zh-CN" sz="3600" dirty="0"/>
               <a:t>PageRank</a:t>
             </a:r>
             <a:endParaRPr lang="zh-CN" altLang="zh-CN" sz="3600" dirty="0"/>
@@ -3572,15 +3919,15 @@
           <a:p>
             <a:pPr lvl="0"/>
             <a:r>
-              <a:rPr lang="ja-JP" altLang="zh-CN" sz="3600" dirty="0" smtClean="0"/>
+              <a:rPr lang="ja-JP" altLang="zh-CN" sz="3600" dirty="0"/>
               <a:t>クローラー</a:t>
             </a:r>
-            <a:endParaRPr lang="en-US" altLang="ja-JP" sz="3600" dirty="0" smtClean="0"/>
+            <a:endParaRPr lang="en-US" altLang="ja-JP" sz="3600" dirty="0"/>
           </a:p>
           <a:p>
             <a:pPr lvl="0"/>
             <a:r>
-              <a:rPr lang="en-US" altLang="zh-CN" sz="3600" dirty="0" smtClean="0"/>
+              <a:rPr lang="en-US" altLang="zh-CN" sz="3600" dirty="0"/>
               <a:t>indexer</a:t>
             </a:r>
             <a:endParaRPr lang="zh-CN" altLang="zh-CN" sz="3600" dirty="0"/>
@@ -3597,13 +3944,9 @@
             <a:pPr lvl="0"/>
             <a:r>
               <a:rPr lang="ja-JP" altLang="zh-CN" sz="3600" dirty="0"/>
-              <a:t>内容（コンテンツ）</a:t>
-            </a:r>
-            <a:r>
-              <a:rPr lang="ja-JP" altLang="zh-CN" sz="3600" dirty="0" smtClean="0"/>
-              <a:t>ベースフィルタリング</a:t>
-            </a:r>
-            <a:endParaRPr lang="en-US" altLang="ja-JP" sz="3600" dirty="0" smtClean="0"/>
+              <a:t>内容（コンテンツ）ベースフィルタリング</a:t>
+            </a:r>
+            <a:endParaRPr lang="en-US" altLang="ja-JP" sz="3600" dirty="0"/>
           </a:p>
           <a:p>
             <a:r>
@@ -3626,7 +3969,6 @@
               <a:rPr lang="zh-CN" altLang="zh-CN" sz="3600" dirty="0"/>
               <a:t> </a:t>
             </a:r>
-            <a:endParaRPr lang="zh-CN" altLang="zh-CN" sz="3600" dirty="0"/>
           </a:p>
           <a:p>
             <a:pPr lvl="0"/>
@@ -3636,25 +3978,17 @@
                 <a:ea typeface="ＭＳ Ｐゴシック" panose="020B0600070205080204" charset="-122"/>
                 <a:cs typeface="ＭＳ Ｐゴシック" panose="020B0600070205080204" charset="-122"/>
               </a:rPr>
-              <a:t>集合</a:t>
-            </a:r>
-            <a:r>
-              <a:rPr lang="zh-CN" altLang="en-US" sz="3600" b="1" dirty="0" smtClean="0">
-                <a:latin typeface="ＭＳ Ｐゴシック" panose="020B0600070205080204" charset="-122"/>
-                <a:ea typeface="ＭＳ Ｐゴシック" panose="020B0600070205080204" charset="-122"/>
-                <a:cs typeface="ＭＳ Ｐゴシック" panose="020B0600070205080204" charset="-122"/>
-              </a:rPr>
-              <a:t>知</a:t>
-            </a:r>
-            <a:r>
-              <a:rPr lang="ja-JP" altLang="en-US" sz="3600" dirty="0" smtClean="0">
+              <a:t>集合知</a:t>
+            </a:r>
+            <a:r>
+              <a:rPr lang="ja-JP" altLang="en-US" sz="3600" dirty="0">
                 <a:latin typeface="ＭＳ Ｐゴシック" panose="020B0600070205080204" charset="-122"/>
                 <a:ea typeface="ＭＳ Ｐゴシック" panose="020B0600070205080204" charset="-122"/>
                 <a:cs typeface="ＭＳ Ｐゴシック" panose="020B0600070205080204" charset="-122"/>
               </a:rPr>
               <a:t>の条件</a:t>
             </a:r>
-            <a:endParaRPr lang="en-US" altLang="zh-CN" sz="3600" dirty="0" smtClean="0">
+            <a:endParaRPr lang="en-US" altLang="zh-CN" sz="3600" dirty="0">
               <a:latin typeface="ＭＳ Ｐゴシック" panose="020B0600070205080204" charset="-122"/>
               <a:ea typeface="ＭＳ Ｐゴシック" panose="020B0600070205080204" charset="-122"/>
               <a:cs typeface="ＭＳ Ｐゴシック" panose="020B0600070205080204" charset="-122"/>
@@ -3709,11 +4043,11 @@
           <a:lstStyle/>
           <a:p>
             <a:r>
-              <a:rPr lang="zh-CN" altLang="en-US" sz="4000" dirty="0" smtClean="0"/>
+              <a:rPr lang="zh-CN" altLang="en-US" sz="4000" dirty="0"/>
               <a:t>概念</a:t>
             </a:r>
             <a:r>
-              <a:rPr lang="en-US" altLang="zh-CN" sz="4000" dirty="0" smtClean="0"/>
+              <a:rPr lang="en-US" altLang="zh-CN" sz="4000" dirty="0"/>
               <a:t>-3</a:t>
             </a:r>
             <a:endParaRPr lang="zh-CN" altLang="en-US" sz="4000" dirty="0"/>
@@ -3742,40 +4076,38 @@
           <a:lstStyle/>
           <a:p>
             <a:r>
-              <a:rPr lang="ja-JP" altLang="zh-CN" sz="3600" dirty="0" smtClean="0"/>
+              <a:rPr lang="ja-JP" altLang="zh-CN" sz="3600" dirty="0"/>
               <a:t>フィルタバブル</a:t>
             </a:r>
-            <a:endParaRPr lang="en-US" altLang="ja-JP" sz="3600" dirty="0" smtClean="0"/>
-          </a:p>
-          <a:p>
-            <a:r>
-              <a:rPr lang="en-US" altLang="zh-CN" sz="3600" dirty="0" smtClean="0"/>
+            <a:endParaRPr lang="en-US" altLang="ja-JP" sz="3600" dirty="0"/>
+          </a:p>
+          <a:p>
+            <a:r>
+              <a:rPr lang="en-US" altLang="zh-CN" sz="3600" dirty="0"/>
               <a:t>SSL</a:t>
             </a:r>
-            <a:endParaRPr lang="en-US" altLang="zh-CN" sz="3600" dirty="0" smtClean="0"/>
-          </a:p>
-          <a:p>
-            <a:r>
-              <a:rPr lang="en-US" altLang="zh-CN" sz="3600" dirty="0" smtClean="0">
+          </a:p>
+          <a:p>
+            <a:r>
+              <a:rPr lang="en-US" altLang="zh-CN" sz="3600" dirty="0">
                 <a:sym typeface="+mn-ea"/>
               </a:rPr>
               <a:t>TLS</a:t>
             </a:r>
-            <a:endParaRPr lang="en-US" altLang="zh-CN" sz="3600" dirty="0" smtClean="0"/>
-          </a:p>
-          <a:p>
-            <a:r>
-              <a:rPr lang="en-US" altLang="zh-CN" sz="3600" dirty="0" smtClean="0"/>
+            <a:endParaRPr lang="en-US" altLang="zh-CN" sz="3600" dirty="0"/>
+          </a:p>
+          <a:p>
+            <a:r>
+              <a:rPr lang="en-US" altLang="zh-CN" sz="3600" dirty="0"/>
               <a:t>CDN</a:t>
             </a:r>
-            <a:endParaRPr lang="en-US" altLang="zh-CN" sz="3600" dirty="0" smtClean="0"/>
-          </a:p>
-          <a:p>
-            <a:r>
-              <a:rPr lang="ja-JP" altLang="zh-CN" sz="3600" dirty="0" smtClean="0"/>
+          </a:p>
+          <a:p>
+            <a:r>
+              <a:rPr lang="ja-JP" altLang="zh-CN" sz="3600" dirty="0"/>
               <a:t>フィッシング</a:t>
             </a:r>
-            <a:endParaRPr lang="en-US" altLang="ja-JP" sz="3600" dirty="0" smtClean="0"/>
+            <a:endParaRPr lang="en-US" altLang="ja-JP" sz="3600" dirty="0"/>
           </a:p>
           <a:p>
             <a:r>
@@ -3786,36 +4118,34 @@
               <a:rPr lang="zh-CN" altLang="zh-CN" sz="3600" dirty="0"/>
               <a:t> </a:t>
             </a:r>
-            <a:endParaRPr lang="zh-CN" altLang="zh-CN" sz="3600" dirty="0"/>
-          </a:p>
-          <a:p>
-            <a:r>
-              <a:rPr lang="en-US" altLang="ja-JP" sz="3600" dirty="0" smtClean="0"/>
+          </a:p>
+          <a:p>
+            <a:r>
+              <a:rPr lang="en-US" altLang="ja-JP" sz="3600" dirty="0"/>
               <a:t>パケット</a:t>
             </a:r>
-            <a:endParaRPr lang="en-US" altLang="ja-JP" sz="3600" dirty="0" smtClean="0"/>
-          </a:p>
-          <a:p>
-            <a:r>
-              <a:rPr lang="ja-JP" altLang="zh-CN" sz="3600" dirty="0" smtClean="0"/>
+          </a:p>
+          <a:p>
+            <a:r>
+              <a:rPr lang="ja-JP" altLang="zh-CN" sz="3600" dirty="0"/>
               <a:t>セッション</a:t>
             </a:r>
             <a:r>
               <a:rPr lang="zh-CN" altLang="zh-CN" sz="3600" dirty="0"/>
               <a:t> </a:t>
             </a:r>
-            <a:endParaRPr lang="en-US" altLang="ja-JP" sz="3600" dirty="0" smtClean="0"/>
-          </a:p>
-          <a:p>
-            <a:r>
-              <a:rPr lang="ja-JP" altLang="zh-CN" sz="3600" dirty="0" smtClean="0"/>
+            <a:endParaRPr lang="en-US" altLang="ja-JP" sz="3600" dirty="0"/>
+          </a:p>
+          <a:p>
+            <a:r>
+              <a:rPr lang="ja-JP" altLang="zh-CN" sz="3600" dirty="0"/>
               <a:t>クラスタリング</a:t>
             </a:r>
             <a:r>
-              <a:rPr lang="zh-CN" altLang="zh-CN" sz="3600" dirty="0" smtClean="0"/>
+              <a:rPr lang="zh-CN" altLang="zh-CN" sz="3600" dirty="0"/>
               <a:t> </a:t>
             </a:r>
-            <a:endParaRPr lang="en-US" altLang="zh-CN" sz="3600" dirty="0" smtClean="0"/>
+            <a:endParaRPr lang="en-US" altLang="zh-CN" sz="3600" dirty="0"/>
           </a:p>
           <a:p>
             <a:r>
@@ -3852,7 +4182,7 @@
           <a:lstStyle/>
           <a:p>
             <a:r>
-              <a:rPr lang="ja-JP" altLang="en-US" sz="3600" dirty="0" smtClean="0">
+              <a:rPr lang="ja-JP" altLang="en-US" sz="3600" dirty="0">
                 <a:sym typeface="+mn-ea"/>
               </a:rPr>
               <a:t>各種類</a:t>
@@ -3861,76 +4191,72 @@
               <a:rPr lang="ja-JP" altLang="zh-CN" sz="3600" dirty="0"/>
               <a:t>認証</a:t>
             </a:r>
-            <a:endParaRPr lang="ja-JP" altLang="zh-CN" sz="3600" dirty="0"/>
-          </a:p>
-          <a:p>
-            <a:r>
-              <a:rPr lang="ja-JP" altLang="en-US" sz="3600" dirty="0" smtClean="0">
+          </a:p>
+          <a:p>
+            <a:r>
+              <a:rPr lang="ja-JP" altLang="en-US" sz="3600" dirty="0">
                 <a:sym typeface="+mn-ea"/>
               </a:rPr>
               <a:t>各種類</a:t>
             </a:r>
             <a:r>
-              <a:rPr lang="en-US" altLang="zh-CN" sz="3600" dirty="0" smtClean="0">
+              <a:rPr lang="en-US" altLang="zh-CN" sz="3600" dirty="0">
                 <a:sym typeface="+mn-ea"/>
               </a:rPr>
               <a:t>Cookie</a:t>
             </a:r>
-            <a:endParaRPr lang="en-US" altLang="zh-CN" sz="3600" dirty="0" smtClean="0"/>
-          </a:p>
-          <a:p>
-            <a:r>
-              <a:rPr lang="ja-JP" altLang="en-US" sz="3600" dirty="0" smtClean="0">
+            <a:endParaRPr lang="en-US" altLang="zh-CN" sz="3600" dirty="0"/>
+          </a:p>
+          <a:p>
+            <a:r>
+              <a:rPr lang="ja-JP" altLang="en-US" sz="3600" dirty="0">
                 <a:sym typeface="+mn-ea"/>
               </a:rPr>
               <a:t>各種類</a:t>
             </a:r>
             <a:r>
-              <a:rPr lang="en-US" altLang="zh-CN" sz="3600" dirty="0" smtClean="0">
+              <a:rPr lang="en-US" altLang="zh-CN" sz="3600" dirty="0">
                 <a:latin typeface="MS PGothic" panose="020B0600070205080204" charset="-122"/>
                 <a:ea typeface="MS PGothic" panose="020B0600070205080204" charset="-122"/>
                 <a:sym typeface="+mn-ea"/>
               </a:rPr>
               <a:t>広告</a:t>
             </a:r>
-            <a:endParaRPr lang="en-US" altLang="zh-CN" sz="3600" dirty="0" smtClean="0">
+            <a:endParaRPr lang="en-US" altLang="zh-CN" sz="3600" dirty="0">
               <a:sym typeface="+mn-ea"/>
             </a:endParaRPr>
           </a:p>
           <a:p>
             <a:r>
-              <a:rPr lang="en-US" altLang="ja-JP" sz="3600" dirty="0" smtClean="0"/>
+              <a:rPr lang="en-US" altLang="ja-JP" sz="3600" dirty="0"/>
               <a:t>PaaS</a:t>
             </a:r>
-            <a:endParaRPr lang="en-US" altLang="ja-JP" sz="3600" dirty="0" smtClean="0"/>
-          </a:p>
-          <a:p>
-            <a:r>
-              <a:rPr lang="en-US" altLang="ja-JP" sz="3600" dirty="0" smtClean="0"/>
+          </a:p>
+          <a:p>
+            <a:r>
+              <a:rPr lang="en-US" altLang="ja-JP" sz="3600" dirty="0"/>
               <a:t>IaaS</a:t>
             </a:r>
-            <a:endParaRPr lang="en-US" altLang="ja-JP" sz="3600" dirty="0" smtClean="0"/>
-          </a:p>
-          <a:p>
-            <a:r>
-              <a:rPr lang="en-US" altLang="ja-JP" sz="3600" dirty="0" smtClean="0"/>
+          </a:p>
+          <a:p>
+            <a:r>
+              <a:rPr lang="en-US" altLang="ja-JP" sz="3600" dirty="0"/>
               <a:t>SaaS</a:t>
             </a:r>
-            <a:endParaRPr lang="en-US" altLang="ja-JP" sz="3600" dirty="0" smtClean="0"/>
-          </a:p>
-          <a:p>
-            <a:r>
-              <a:rPr lang="ja-JP" altLang="zh-CN" sz="3600" dirty="0" smtClean="0"/>
+          </a:p>
+          <a:p>
+            <a:r>
+              <a:rPr lang="ja-JP" altLang="zh-CN" sz="3600" dirty="0"/>
               <a:t>ステートレス</a:t>
             </a:r>
-            <a:endParaRPr lang="en-US" altLang="ja-JP" sz="3600" dirty="0" smtClean="0"/>
-          </a:p>
-          <a:p>
-            <a:r>
-              <a:rPr lang="ja-JP" altLang="zh-CN" sz="3600" dirty="0" smtClean="0"/>
+            <a:endParaRPr lang="en-US" altLang="ja-JP" sz="3600" dirty="0"/>
+          </a:p>
+          <a:p>
+            <a:r>
+              <a:rPr lang="ja-JP" altLang="zh-CN" sz="3600" dirty="0"/>
               <a:t>ページスコアリング</a:t>
             </a:r>
-            <a:endParaRPr lang="en-US" altLang="ja-JP" sz="3600" dirty="0" smtClean="0"/>
+            <a:endParaRPr lang="en-US" altLang="ja-JP" sz="3600" dirty="0"/>
           </a:p>
           <a:p>
             <a:r>
@@ -3939,13 +4265,8 @@
             </a:r>
             <a:r>
               <a:rPr lang="zh-CN" altLang="zh-CN" sz="3600" dirty="0"/>
-              <a:t> </a:t>
-            </a:r>
-            <a:r>
-              <a:rPr lang="zh-CN" altLang="zh-CN" sz="3600" dirty="0" smtClean="0"/>
-              <a:t> </a:t>
-            </a:r>
-            <a:endParaRPr lang="zh-CN" altLang="zh-CN" sz="3600" dirty="0" smtClean="0"/>
+              <a:t>  </a:t>
+            </a:r>
           </a:p>
           <a:p>
             <a:r>
@@ -3955,19 +4276,117 @@
               </a:rPr>
               <a:t>行動ターゲティング</a:t>
             </a:r>
+          </a:p>
+          <a:p>
             <a:endParaRPr lang="zh-CN" altLang="zh-CN" sz="3600" dirty="0">
               <a:latin typeface="MS PGothic" panose="020B0600070205080204" charset="-122"/>
               <a:ea typeface="MS PGothic" panose="020B0600070205080204" charset="-122"/>
             </a:endParaRPr>
           </a:p>
-          <a:p>
-            <a:endParaRPr lang="zh-CN" altLang="zh-CN" sz="3600" dirty="0">
-              <a:latin typeface="MS PGothic" panose="020B0600070205080204" charset="-122"/>
-              <a:ea typeface="MS PGothic" panose="020B0600070205080204" charset="-122"/>
-            </a:endParaRPr>
-          </a:p>
-        </p:txBody>
-      </p:sp>
+        </p:txBody>
+      </p:sp>
+      <mc:AlternateContent xmlns:mc="http://schemas.openxmlformats.org/markup-compatibility/2006">
+        <mc:Choice xmlns:p14="http://schemas.microsoft.com/office/powerpoint/2010/main" Requires="p14">
+          <p:contentPart p14:bwMode="auto" r:id="rId2">
+            <p14:nvContentPartPr>
+              <p14:cNvPr id="4" name="墨迹 3">
+                <a:extLst>
+                  <a:ext uri="{FF2B5EF4-FFF2-40B4-BE49-F238E27FC236}">
+                    <a16:creationId xmlns:a16="http://schemas.microsoft.com/office/drawing/2014/main" id="{1C282BB5-6104-2252-9BEB-BDC0EE1E83C5}"/>
+                  </a:ext>
+                </a:extLst>
+              </p14:cNvPr>
+              <p14:cNvContentPartPr/>
+              <p14:nvPr/>
+            </p14:nvContentPartPr>
+            <p14:xfrm>
+              <a:off x="244984" y="2789439"/>
+              <a:ext cx="2847240" cy="957960"/>
+            </p14:xfrm>
+          </p:contentPart>
+        </mc:Choice>
+        <mc:Fallback>
+          <p:pic>
+            <p:nvPicPr>
+              <p:cNvPr id="4" name="墨迹 3">
+                <a:extLst>
+                  <a:ext uri="{FF2B5EF4-FFF2-40B4-BE49-F238E27FC236}">
+                    <a16:creationId xmlns:a16="http://schemas.microsoft.com/office/drawing/2014/main" id="{1C282BB5-6104-2252-9BEB-BDC0EE1E83C5}"/>
+                  </a:ext>
+                </a:extLst>
+              </p:cNvPr>
+              <p:cNvPicPr/>
+              <p:nvPr/>
+            </p:nvPicPr>
+            <p:blipFill>
+              <a:blip r:embed="rId3"/>
+              <a:stretch>
+                <a:fillRect/>
+              </a:stretch>
+            </p:blipFill>
+            <p:spPr>
+              <a:xfrm>
+                <a:off x="236344" y="2780799"/>
+                <a:ext cx="2864880" cy="975600"/>
+              </a:xfrm>
+              <a:prstGeom prst="rect">
+                <a:avLst/>
+              </a:prstGeom>
+            </p:spPr>
+          </p:pic>
+        </mc:Fallback>
+      </mc:AlternateContent>
+      <mc:AlternateContent xmlns:mc="http://schemas.openxmlformats.org/markup-compatibility/2006">
+        <mc:Choice xmlns:p14="http://schemas.microsoft.com/office/powerpoint/2010/main" Requires="p14">
+          <p:contentPart p14:bwMode="auto" r:id="rId4">
+            <p14:nvContentPartPr>
+              <p14:cNvPr id="5" name="墨迹 4">
+                <a:extLst>
+                  <a:ext uri="{FF2B5EF4-FFF2-40B4-BE49-F238E27FC236}">
+                    <a16:creationId xmlns:a16="http://schemas.microsoft.com/office/drawing/2014/main" id="{C2894017-23C6-AD9C-6F39-E4FA64CAA5D4}"/>
+                  </a:ext>
+                </a:extLst>
+              </p14:cNvPr>
+              <p14:cNvContentPartPr/>
+              <p14:nvPr/>
+            </p14:nvContentPartPr>
+            <p14:xfrm>
+              <a:off x="4963144" y="4511679"/>
+              <a:ext cx="3918600" cy="807840"/>
+            </p14:xfrm>
+          </p:contentPart>
+        </mc:Choice>
+        <mc:Fallback>
+          <p:pic>
+            <p:nvPicPr>
+              <p:cNvPr id="5" name="墨迹 4">
+                <a:extLst>
+                  <a:ext uri="{FF2B5EF4-FFF2-40B4-BE49-F238E27FC236}">
+                    <a16:creationId xmlns:a16="http://schemas.microsoft.com/office/drawing/2014/main" id="{C2894017-23C6-AD9C-6F39-E4FA64CAA5D4}"/>
+                  </a:ext>
+                </a:extLst>
+              </p:cNvPr>
+              <p:cNvPicPr/>
+              <p:nvPr/>
+            </p:nvPicPr>
+            <p:blipFill>
+              <a:blip r:embed="rId5"/>
+              <a:stretch>
+                <a:fillRect/>
+              </a:stretch>
+            </p:blipFill>
+            <p:spPr>
+              <a:xfrm>
+                <a:off x="4954504" y="4503039"/>
+                <a:ext cx="3936240" cy="825480"/>
+              </a:xfrm>
+              <a:prstGeom prst="rect">
+                <a:avLst/>
+              </a:prstGeom>
+            </p:spPr>
+          </p:pic>
+        </mc:Fallback>
+      </mc:AlternateContent>
     </p:spTree>
   </p:cSld>
   <p:clrMapOvr>
@@ -4015,11 +4434,11 @@
           <a:lstStyle/>
           <a:p>
             <a:r>
-              <a:rPr lang="zh-CN" altLang="en-US" sz="4000" dirty="0" smtClean="0"/>
+              <a:rPr lang="zh-CN" altLang="en-US" sz="4000" dirty="0"/>
               <a:t>概念</a:t>
             </a:r>
             <a:r>
-              <a:rPr lang="en-US" altLang="zh-CN" sz="4000" dirty="0" smtClean="0"/>
+              <a:rPr lang="en-US" altLang="zh-CN" sz="4000" dirty="0"/>
               <a:t>-4</a:t>
             </a:r>
             <a:endParaRPr lang="zh-CN" altLang="en-US" sz="4000" dirty="0"/>
@@ -4049,7 +4468,7 @@
           <a:p>
             <a:pPr lvl="0"/>
             <a:r>
-              <a:rPr lang="en-US" altLang="zh-CN" sz="3600" dirty="0" smtClean="0"/>
+              <a:rPr lang="en-US" altLang="zh-CN" sz="3600" dirty="0"/>
               <a:t>CSRF</a:t>
             </a:r>
             <a:endParaRPr lang="zh-CN" altLang="zh-CN" sz="3600" dirty="0"/>
@@ -4104,18 +4523,16 @@
               <a:t>SQL</a:t>
             </a:r>
             <a:r>
-              <a:rPr lang="ja-JP" altLang="zh-CN" sz="3600" dirty="0" smtClean="0"/>
+              <a:rPr lang="ja-JP" altLang="zh-CN" sz="3600" dirty="0"/>
               <a:t>インジェクション</a:t>
             </a:r>
-            <a:endParaRPr lang="ja-JP" altLang="zh-CN" sz="3600" dirty="0" smtClean="0"/>
           </a:p>
           <a:p>
             <a:pPr lvl="0"/>
             <a:r>
-              <a:rPr lang="en-US" altLang="ja-JP" sz="3600" dirty="0" smtClean="0"/>
+              <a:rPr lang="en-US" altLang="ja-JP" sz="3600" dirty="0"/>
               <a:t>セッションハイジャック</a:t>
             </a:r>
-            <a:endParaRPr lang="en-US" altLang="ja-JP" sz="3600" dirty="0" smtClean="0"/>
           </a:p>
         </p:txBody>
       </p:sp>
@@ -4166,10 +4583,9 @@
           <a:lstStyle/>
           <a:p>
             <a:r>
-              <a:rPr lang="zh-CN" altLang="en-US" sz="4000" dirty="0" smtClean="0"/>
+              <a:rPr lang="zh-CN" altLang="en-US" sz="4000" dirty="0"/>
               <a:t>计算题</a:t>
             </a:r>
-            <a:endParaRPr lang="zh-CN" altLang="en-US" sz="4000" dirty="0"/>
           </a:p>
         </p:txBody>
       </p:sp>
@@ -4195,7 +4611,7 @@
           <a:lstStyle/>
           <a:p>
             <a:r>
-              <a:rPr lang="zh-CN" altLang="en-US" sz="3600" dirty="0" smtClean="0">
+              <a:rPr lang="zh-CN" altLang="en-US" sz="3600" dirty="0">
                 <a:latin typeface="ＭＳ Ｐゴシック" panose="020B0600070205080204" charset="-122"/>
                 <a:ea typeface="ＭＳ Ｐゴシック" panose="020B0600070205080204" charset="-122"/>
                 <a:cs typeface="ＭＳ Ｐゴシック" panose="020B0600070205080204" charset="-122"/>
@@ -4203,7 +4619,7 @@
               <a:t>（</a:t>
             </a:r>
             <a:r>
-              <a:rPr lang="en-US" altLang="zh-CN" sz="3600" dirty="0" smtClean="0">
+              <a:rPr lang="en-US" altLang="zh-CN" sz="3600" dirty="0">
                 <a:latin typeface="ＭＳ Ｐゴシック" panose="020B0600070205080204" charset="-122"/>
                 <a:ea typeface="ＭＳ Ｐゴシック" panose="020B0600070205080204" charset="-122"/>
                 <a:cs typeface="ＭＳ Ｐゴシック" panose="020B0600070205080204" charset="-122"/>
@@ -4211,7 +4627,7 @@
               <a:t>1</a:t>
             </a:r>
             <a:r>
-              <a:rPr lang="zh-CN" altLang="en-US" sz="3600" dirty="0" smtClean="0">
+              <a:rPr lang="zh-CN" altLang="en-US" sz="3600" dirty="0">
                 <a:latin typeface="ＭＳ Ｐゴシック" panose="020B0600070205080204" charset="-122"/>
                 <a:ea typeface="ＭＳ Ｐゴシック" panose="020B0600070205080204" charset="-122"/>
                 <a:cs typeface="ＭＳ Ｐゴシック" panose="020B0600070205080204" charset="-122"/>
@@ -4272,15 +4688,7 @@
                 <a:ea typeface="ＭＳ Ｐゴシック" panose="020B0600070205080204" charset="-122"/>
                 <a:cs typeface="ＭＳ Ｐゴシック" panose="020B0600070205080204" charset="-122"/>
               </a:rPr>
-              <a:t>を</a:t>
-            </a:r>
-            <a:r>
-              <a:rPr lang="zh-CN" altLang="zh-CN" sz="3600" dirty="0" smtClean="0">
-                <a:latin typeface="ＭＳ Ｐゴシック" panose="020B0600070205080204" charset="-122"/>
-                <a:ea typeface="ＭＳ Ｐゴシック" panose="020B0600070205080204" charset="-122"/>
-                <a:cs typeface="ＭＳ Ｐゴシック" panose="020B0600070205080204" charset="-122"/>
-              </a:rPr>
-              <a:t>計算</a:t>
+              <a:t>を計算</a:t>
             </a:r>
             <a:r>
               <a:rPr lang="ja-JP" altLang="en-US" sz="3600" dirty="0">
@@ -4298,7 +4706,7 @@
           </a:p>
           <a:p>
             <a:pPr lvl="0"/>
-            <a:endParaRPr lang="en-US" altLang="zh-CN" sz="3600" dirty="0" smtClean="0">
+            <a:endParaRPr lang="en-US" altLang="zh-CN" sz="3600" dirty="0">
               <a:latin typeface="ＭＳ Ｐゴシック" panose="020B0600070205080204" charset="-122"/>
               <a:ea typeface="ＭＳ Ｐゴシック" panose="020B0600070205080204" charset="-122"/>
               <a:cs typeface="ＭＳ Ｐゴシック" panose="020B0600070205080204" charset="-122"/>
@@ -4306,7 +4714,7 @@
           </a:p>
           <a:p>
             <a:r>
-              <a:rPr lang="zh-CN" altLang="zh-CN" sz="3600" dirty="0" smtClean="0">
+              <a:rPr lang="zh-CN" altLang="zh-CN" sz="3600" dirty="0">
                 <a:latin typeface="ＭＳ Ｐゴシック" panose="020B0600070205080204" charset="-122"/>
                 <a:ea typeface="ＭＳ Ｐゴシック" panose="020B0600070205080204" charset="-122"/>
                 <a:cs typeface="ＭＳ Ｐゴシック" panose="020B0600070205080204" charset="-122"/>
@@ -4314,7 +4722,7 @@
               <a:t>（</a:t>
             </a:r>
             <a:r>
-              <a:rPr lang="en-US" altLang="zh-CN" sz="3600" dirty="0" smtClean="0">
+              <a:rPr lang="en-US" altLang="zh-CN" sz="3600" dirty="0">
                 <a:latin typeface="ＭＳ Ｐゴシック" panose="020B0600070205080204" charset="-122"/>
                 <a:ea typeface="ＭＳ Ｐゴシック" panose="020B0600070205080204" charset="-122"/>
                 <a:cs typeface="ＭＳ Ｐゴシック" panose="020B0600070205080204" charset="-122"/>
@@ -4322,7 +4730,7 @@
               <a:t>2</a:t>
             </a:r>
             <a:r>
-              <a:rPr lang="zh-CN" altLang="en-US" sz="3600" dirty="0" smtClean="0">
+              <a:rPr lang="zh-CN" altLang="en-US" sz="3600" dirty="0">
                 <a:latin typeface="ＭＳ Ｐゴシック" panose="020B0600070205080204" charset="-122"/>
                 <a:ea typeface="ＭＳ Ｐゴシック" panose="020B0600070205080204" charset="-122"/>
                 <a:cs typeface="ＭＳ Ｐゴシック" panose="020B0600070205080204" charset="-122"/>
@@ -4330,7 +4738,7 @@
               <a:t>）</a:t>
             </a:r>
             <a:r>
-              <a:rPr lang="ja-JP" altLang="en-US" sz="3600" dirty="0" smtClean="0">
+              <a:rPr lang="ja-JP" altLang="en-US" sz="3600" dirty="0">
                 <a:latin typeface="ＭＳ Ｐゴシック" panose="020B0600070205080204" charset="-122"/>
                 <a:ea typeface="ＭＳ Ｐゴシック" panose="020B0600070205080204" charset="-122"/>
                 <a:cs typeface="ＭＳ Ｐゴシック" panose="020B0600070205080204" charset="-122"/>
@@ -4338,20 +4746,12 @@
               <a:t>図の平均次数、平均経路長、</a:t>
             </a:r>
             <a:r>
-              <a:rPr lang="ja-JP" altLang="zh-CN" sz="3600" dirty="0" smtClean="0">
+              <a:rPr lang="ja-JP" altLang="zh-CN" sz="3600" dirty="0">
                 <a:latin typeface="ＭＳ Ｐゴシック" panose="020B0600070205080204" charset="-122"/>
                 <a:ea typeface="ＭＳ Ｐゴシック" panose="020B0600070205080204" charset="-122"/>
                 <a:cs typeface="ＭＳ Ｐゴシック" panose="020B0600070205080204" charset="-122"/>
               </a:rPr>
-              <a:t>クラスタ</a:t>
-            </a:r>
-            <a:r>
-              <a:rPr lang="ja-JP" altLang="zh-CN" sz="3600" dirty="0" smtClean="0">
-                <a:latin typeface="ＭＳ Ｐゴシック" panose="020B0600070205080204" charset="-122"/>
-                <a:ea typeface="ＭＳ Ｐゴシック" panose="020B0600070205080204" charset="-122"/>
-                <a:cs typeface="ＭＳ Ｐゴシック" panose="020B0600070205080204" charset="-122"/>
-              </a:rPr>
-              <a:t>係数を計算</a:t>
+              <a:t>クラスタ係数を計算</a:t>
             </a:r>
             <a:r>
               <a:rPr lang="ja-JP" altLang="en-US" sz="3600" dirty="0">
@@ -4369,7 +4769,7 @@
           </a:p>
           <a:p>
             <a:pPr lvl="0"/>
-            <a:endParaRPr lang="en-US" altLang="zh-CN" sz="3600" dirty="0" smtClean="0">
+            <a:endParaRPr lang="en-US" altLang="zh-CN" sz="3600" dirty="0">
               <a:latin typeface="ＭＳ Ｐゴシック" panose="020B0600070205080204" charset="-122"/>
               <a:ea typeface="ＭＳ Ｐゴシック" panose="020B0600070205080204" charset="-122"/>
               <a:cs typeface="ＭＳ Ｐゴシック" panose="020B0600070205080204" charset="-122"/>
@@ -4377,7 +4777,7 @@
           </a:p>
           <a:p>
             <a:r>
-              <a:rPr lang="zh-CN" altLang="zh-CN" sz="3600" dirty="0" smtClean="0">
+              <a:rPr lang="zh-CN" altLang="zh-CN" sz="3600" dirty="0">
                 <a:latin typeface="ＭＳ Ｐゴシック" panose="020B0600070205080204" charset="-122"/>
                 <a:ea typeface="ＭＳ Ｐゴシック" panose="020B0600070205080204" charset="-122"/>
                 <a:cs typeface="ＭＳ Ｐゴシック" panose="020B0600070205080204" charset="-122"/>
@@ -4385,7 +4785,7 @@
               <a:t>（</a:t>
             </a:r>
             <a:r>
-              <a:rPr lang="en-US" altLang="zh-CN" sz="3600" dirty="0" smtClean="0">
+              <a:rPr lang="en-US" altLang="zh-CN" sz="3600" dirty="0">
                 <a:latin typeface="ＭＳ Ｐゴシック" panose="020B0600070205080204" charset="-122"/>
                 <a:ea typeface="ＭＳ Ｐゴシック" panose="020B0600070205080204" charset="-122"/>
                 <a:cs typeface="ＭＳ Ｐゴシック" panose="020B0600070205080204" charset="-122"/>
@@ -4393,7 +4793,7 @@
               <a:t>3</a:t>
             </a:r>
             <a:r>
-              <a:rPr lang="zh-CN" altLang="en-US" sz="3600" dirty="0" smtClean="0">
+              <a:rPr lang="zh-CN" altLang="en-US" sz="3600" dirty="0">
                 <a:latin typeface="ＭＳ Ｐゴシック" panose="020B0600070205080204" charset="-122"/>
                 <a:ea typeface="ＭＳ Ｐゴシック" panose="020B0600070205080204" charset="-122"/>
                 <a:cs typeface="ＭＳ Ｐゴシック" panose="020B0600070205080204" charset="-122"/>
@@ -4419,7 +4819,7 @@
               <a:t>IDF</a:t>
             </a:r>
             <a:r>
-              <a:rPr lang="zh-CN" altLang="zh-CN" sz="3600" dirty="0" smtClean="0">
+              <a:rPr lang="zh-CN" altLang="zh-CN" sz="3600" dirty="0">
                 <a:latin typeface="ＭＳ Ｐゴシック" panose="020B0600070205080204" charset="-122"/>
                 <a:ea typeface="ＭＳ Ｐゴシック" panose="020B0600070205080204" charset="-122"/>
                 <a:cs typeface="ＭＳ Ｐゴシック" panose="020B0600070205080204" charset="-122"/>
@@ -4730,6 +5130,8 @@
       </a:bgFillStyleLst>
     </a:fmtScheme>
   </a:themeElements>
+  <a:objectDefaults/>
+  <a:extraClrSchemeLst/>
   <a:extLst>
     <a:ext uri="{05A4C25C-085E-4340-85A3-A5531E510DB2}">
       <thm15:themeFamily xmlns:thm15="http://schemas.microsoft.com/office/thememl/2012/main" name="Office Theme" id="{62F939B6-93AF-4DB8-9C6B-D6C7DFDC589F}" vid="{4A3C46E8-61CC-4603-A589-7422A47A8E4A}"/>
